--- a/MECM PT/Release V1.1/MECM admin role support.pptx
+++ b/MECM PT/Release V1.1/MECM admin role support.pptx
@@ -7993,14 +7993,14 @@
               <a:buNone/>
             </a:pPr>
             <a:r>
-              <a:rPr lang="en" sz="4000">
+              <a:rPr b="1" lang="en" sz="4000">
                 <a:solidFill>
                   <a:srgbClr val="000000"/>
                 </a:solidFill>
               </a:rPr>
               <a:t>MECM Admin role support</a:t>
             </a:r>
-            <a:endParaRPr sz="4000">
+            <a:endParaRPr b="1" sz="4000">
               <a:solidFill>
                 <a:srgbClr val="000000"/>
               </a:solidFill>
@@ -8044,7 +8044,7 @@
             </a:pPr>
             <a:r>
               <a:rPr lang="en" sz="1700"/>
-              <a:t>Shashikanth</a:t>
+              <a:t>Shashikanth &amp; Yangyang</a:t>
             </a:r>
             <a:endParaRPr sz="1700"/>
           </a:p>
@@ -8098,20 +8098,31 @@
           </a:bodyPr>
           <a:lstStyle/>
           <a:p>
-            <a:pPr indent="0" lvl="0" marL="0" rtl="0" algn="l">
-              <a:spcBef>
-                <a:spcPts val="0"/>
-              </a:spcBef>
-              <a:spcAft>
-                <a:spcPts val="0"/>
-              </a:spcAft>
-              <a:buNone/>
-            </a:pPr>
-            <a:r>
-              <a:rPr lang="en"/>
+            <a:pPr indent="0" lvl="0" marL="0" marR="0" rtl="0" algn="l">
+              <a:lnSpc>
+                <a:spcPct val="100000"/>
+              </a:lnSpc>
+              <a:spcBef>
+                <a:spcPts val="0"/>
+              </a:spcBef>
+              <a:spcAft>
+                <a:spcPts val="0"/>
+              </a:spcAft>
+              <a:buNone/>
+            </a:pPr>
+            <a:r>
+              <a:rPr b="1" lang="en">
+                <a:solidFill>
+                  <a:srgbClr val="CC4125"/>
+                </a:solidFill>
+              </a:rPr>
               <a:t>MECM-FE design (TBD: yangyang)</a:t>
             </a:r>
-            <a:endParaRPr/>
+            <a:endParaRPr b="1">
+              <a:solidFill>
+                <a:srgbClr val="CC4125"/>
+              </a:solidFill>
+            </a:endParaRPr>
           </a:p>
         </p:txBody>
       </p:sp>
@@ -8261,7 +8272,11 @@
               <a:t>                                                       </a:t>
             </a:r>
             <a:r>
-              <a:rPr b="1" lang="en" sz="4000"/>
+              <a:rPr b="1" lang="en" sz="2800">
+                <a:solidFill>
+                  <a:srgbClr val="CC4125"/>
+                </a:solidFill>
+              </a:rPr>
               <a:t>THANK YOU</a:t>
             </a:r>
             <a:endParaRPr b="1" sz="4000"/>
@@ -10968,10 +10983,18 @@
               <a:buNone/>
             </a:pPr>
             <a:r>
-              <a:rPr lang="en"/>
+              <a:rPr b="1" lang="en">
+                <a:solidFill>
+                  <a:srgbClr val="CC4125"/>
+                </a:solidFill>
+              </a:rPr>
               <a:t>Requirement description</a:t>
             </a:r>
-            <a:endParaRPr/>
+            <a:endParaRPr b="1">
+              <a:solidFill>
+                <a:srgbClr val="CC4125"/>
+              </a:solidFill>
+            </a:endParaRPr>
           </a:p>
         </p:txBody>
       </p:sp>
@@ -21222,7 +21245,11 @@
               <a:buNone/>
             </a:pPr>
             <a:r>
-              <a:rPr lang="en"/>
+              <a:rPr b="1" lang="en">
+                <a:solidFill>
+                  <a:srgbClr val="CC4125"/>
+                </a:solidFill>
+              </a:rPr>
               <a:t>MECM Architecture</a:t>
             </a:r>
             <a:endParaRPr/>
@@ -24001,7 +24028,7 @@
         </p:spPr>
         <p:txBody>
           <a:bodyPr anchorCtr="0" anchor="t" bIns="91425" lIns="91425" spcFirstLastPara="1" rIns="91425" wrap="square" tIns="91425">
-            <a:normAutofit/>
+            <a:normAutofit fontScale="90000"/>
           </a:bodyPr>
           <a:lstStyle/>
           <a:p>
@@ -24018,21 +24045,21 @@
               <a:buClr>
                 <a:schemeClr val="dk1"/>
               </a:buClr>
-              <a:buSzPts val="1100"/>
+              <a:buSzPct val="39285"/>
               <a:buFont typeface="Arial"/>
               <a:buNone/>
             </a:pPr>
             <a:r>
-              <a:rPr b="1" lang="en" sz="1911">
-                <a:solidFill>
-                  <a:srgbClr val="000000"/>
+              <a:rPr b="1" lang="en">
+                <a:solidFill>
+                  <a:srgbClr val="CC4125"/>
                 </a:solidFill>
               </a:rPr>
               <a:t>MECM Administrator user role</a:t>
             </a:r>
-            <a:endParaRPr b="1" sz="2911">
+            <a:endParaRPr b="1">
               <a:solidFill>
-                <a:srgbClr val="000000"/>
+                <a:srgbClr val="CC4125"/>
               </a:solidFill>
             </a:endParaRPr>
           </a:p>
@@ -24522,7 +24549,7 @@
           </a:bodyPr>
           <a:lstStyle/>
           <a:p>
-            <a:pPr indent="0" lvl="0" marL="0" rtl="0" algn="l">
+            <a:pPr indent="0" lvl="0" marL="0" marR="0" rtl="0" algn="l">
               <a:lnSpc>
                 <a:spcPct val="115000"/>
               </a:lnSpc>
@@ -24535,29 +24562,29 @@
               <a:buClr>
                 <a:schemeClr val="dk1"/>
               </a:buClr>
-              <a:buSzPct val="57558"/>
+              <a:buSzPct val="39285"/>
               <a:buFont typeface="Arial"/>
               <a:buNone/>
             </a:pPr>
             <a:r>
-              <a:rPr b="1" lang="en" sz="1911">
-                <a:solidFill>
-                  <a:srgbClr val="000000"/>
+              <a:rPr b="1" lang="en">
+                <a:solidFill>
+                  <a:srgbClr val="CC4125"/>
                 </a:solidFill>
               </a:rPr>
               <a:t>Changes to existing MECM Tenant user</a:t>
             </a:r>
             <a:r>
-              <a:rPr b="1" lang="en" sz="1911">
-                <a:solidFill>
-                  <a:srgbClr val="000000"/>
-                </a:solidFill>
-              </a:rPr>
-              <a:t> roles</a:t>
-            </a:r>
-            <a:endParaRPr b="1" sz="2911">
+              <a:rPr b="1" lang="en">
+                <a:solidFill>
+                  <a:srgbClr val="CC4125"/>
+                </a:solidFill>
+              </a:rPr>
+              <a:t> role</a:t>
+            </a:r>
+            <a:endParaRPr b="1">
               <a:solidFill>
-                <a:srgbClr val="000000"/>
+                <a:srgbClr val="CC4125"/>
               </a:solidFill>
             </a:endParaRPr>
           </a:p>
@@ -26967,7 +26994,11 @@
               <a:buNone/>
             </a:pPr>
             <a:r>
-              <a:rPr lang="en"/>
+              <a:rPr b="1" lang="en">
+                <a:solidFill>
+                  <a:srgbClr val="CC4125"/>
+                </a:solidFill>
+              </a:rPr>
               <a:t>Interface update: configuration APIs</a:t>
             </a:r>
             <a:endParaRPr/>
@@ -28594,14 +28625,18 @@
               <a:buNone/>
             </a:pPr>
             <a:r>
-              <a:rPr lang="en"/>
-              <a:t>Interface update</a:t>
-            </a:r>
-            <a:r>
-              <a:rPr lang="en"/>
-              <a:t>: Query APIs</a:t>
-            </a:r>
-            <a:endParaRPr/>
+              <a:rPr b="1" lang="en">
+                <a:solidFill>
+                  <a:srgbClr val="CC4125"/>
+                </a:solidFill>
+              </a:rPr>
+              <a:t>Interface update: Query APIs</a:t>
+            </a:r>
+            <a:endParaRPr b="1">
+              <a:solidFill>
+                <a:srgbClr val="CC4125"/>
+              </a:solidFill>
+            </a:endParaRPr>
           </a:p>
         </p:txBody>
       </p:sp>
@@ -29470,20 +29505,31 @@
           </a:bodyPr>
           <a:lstStyle/>
           <a:p>
-            <a:pPr indent="0" lvl="0" marL="0" rtl="0" algn="l">
-              <a:spcBef>
-                <a:spcPts val="0"/>
-              </a:spcBef>
-              <a:spcAft>
-                <a:spcPts val="0"/>
-              </a:spcAft>
-              <a:buNone/>
-            </a:pPr>
-            <a:r>
-              <a:rPr lang="en"/>
+            <a:pPr indent="0" lvl="0" marL="0" marR="0" rtl="0" algn="l">
+              <a:lnSpc>
+                <a:spcPct val="100000"/>
+              </a:lnSpc>
+              <a:spcBef>
+                <a:spcPts val="0"/>
+              </a:spcBef>
+              <a:spcAft>
+                <a:spcPts val="0"/>
+              </a:spcAft>
+              <a:buNone/>
+            </a:pPr>
+            <a:r>
+              <a:rPr b="1" lang="en">
+                <a:solidFill>
+                  <a:srgbClr val="CC4125"/>
+                </a:solidFill>
+              </a:rPr>
               <a:t>Interface update: Query APIs</a:t>
             </a:r>
-            <a:endParaRPr/>
+            <a:endParaRPr b="1">
+              <a:solidFill>
+                <a:srgbClr val="CC4125"/>
+              </a:solidFill>
+            </a:endParaRPr>
           </a:p>
         </p:txBody>
       </p:sp>
@@ -29941,6 +29987,285 @@
 </file>
 
 <file path=ppt/theme/theme1.xml><?xml version="1.0" encoding="utf-8"?>
+<a:theme xmlns:a="http://schemas.openxmlformats.org/drawingml/2006/main" xmlns:r="http://schemas.openxmlformats.org/officeDocument/2006/relationships">
+  <a:themeElements>
+    <a:clrScheme name="Default">
+      <a:dk1>
+        <a:srgbClr val="000000"/>
+      </a:dk1>
+      <a:lt1>
+        <a:srgbClr val="FFFFFF"/>
+      </a:lt1>
+      <a:dk2>
+        <a:srgbClr val="158158"/>
+      </a:dk2>
+      <a:lt2>
+        <a:srgbClr val="F3F3F3"/>
+      </a:lt2>
+      <a:accent1>
+        <a:srgbClr val="058DC7"/>
+      </a:accent1>
+      <a:accent2>
+        <a:srgbClr val="50B432"/>
+      </a:accent2>
+      <a:accent3>
+        <a:srgbClr val="ED561B"/>
+      </a:accent3>
+      <a:accent4>
+        <a:srgbClr val="EDEF00"/>
+      </a:accent4>
+      <a:accent5>
+        <a:srgbClr val="24CBE5"/>
+      </a:accent5>
+      <a:accent6>
+        <a:srgbClr val="64E572"/>
+      </a:accent6>
+      <a:hlink>
+        <a:srgbClr val="2200CC"/>
+      </a:hlink>
+      <a:folHlink>
+        <a:srgbClr val="551A8B"/>
+      </a:folHlink>
+    </a:clrScheme>
+    <a:fontScheme name="Office">
+      <a:majorFont>
+        <a:latin typeface="Arial"/>
+        <a:ea typeface=""/>
+        <a:cs typeface=""/>
+        <a:font script="Jpan" typeface="ＭＳ Ｐゴシック"/>
+        <a:font script="Hang" typeface="맑은 고딕"/>
+        <a:font script="Hans" typeface="宋体"/>
+        <a:font script="Hant" typeface="新細明體"/>
+        <a:font script="Arab" typeface="Times New Roman"/>
+        <a:font script="Hebr" typeface="Times New Roman"/>
+        <a:font script="Thai" typeface="Angsana New"/>
+        <a:font script="Ethi" typeface="Nyala"/>
+        <a:font script="Beng" typeface="Vrinda"/>
+        <a:font script="Gujr" typeface="Shruti"/>
+        <a:font script="Khmr" typeface="MoolBoran"/>
+        <a:font script="Knda" typeface="Tunga"/>
+        <a:font script="Guru" typeface="Raavi"/>
+        <a:font script="Cans" typeface="Euphemia"/>
+        <a:font script="Cher" typeface="Plantagenet Cherokee"/>
+        <a:font script="Yiii" typeface="Microsoft Yi Baiti"/>
+        <a:font script="Tibt" typeface="Microsoft Himalaya"/>
+        <a:font script="Thaa" typeface="MV Boli"/>
+        <a:font script="Deva" typeface="Mangal"/>
+        <a:font script="Telu" typeface="Gautami"/>
+        <a:font script="Taml" typeface="Latha"/>
+        <a:font script="Syrc" typeface="Estrangelo Edessa"/>
+        <a:font script="Orya" typeface="Kalinga"/>
+        <a:font script="Mlym" typeface="Kartika"/>
+        <a:font script="Laoo" typeface="DokChampa"/>
+        <a:font script="Sinh" typeface="Iskoola Pota"/>
+        <a:font script="Mong" typeface="Mongolian Baiti"/>
+        <a:font script="Viet" typeface="Times New Roman"/>
+        <a:font script="Uigh" typeface="Microsoft Uighur"/>
+        <a:font script="Geor" typeface="Sylfaen"/>
+      </a:majorFont>
+      <a:minorFont>
+        <a:latin typeface="Arial"/>
+        <a:ea typeface=""/>
+        <a:cs typeface=""/>
+        <a:font script="Jpan" typeface="ＭＳ Ｐゴシック"/>
+        <a:font script="Hang" typeface="맑은 고딕"/>
+        <a:font script="Hans" typeface="宋体"/>
+        <a:font script="Hant" typeface="新細明體"/>
+        <a:font script="Arab" typeface="Arial"/>
+        <a:font script="Hebr" typeface="Arial"/>
+        <a:font script="Thai" typeface="Cordia New"/>
+        <a:font script="Ethi" typeface="Nyala"/>
+        <a:font script="Beng" typeface="Vrinda"/>
+        <a:font script="Gujr" typeface="Shruti"/>
+        <a:font script="Khmr" typeface="DaunPenh"/>
+        <a:font script="Knda" typeface="Tunga"/>
+        <a:font script="Guru" typeface="Raavi"/>
+        <a:font script="Cans" typeface="Euphemia"/>
+        <a:font script="Cher" typeface="Plantagenet Cherokee"/>
+        <a:font script="Yiii" typeface="Microsoft Yi Baiti"/>
+        <a:font script="Tibt" typeface="Microsoft Himalaya"/>
+        <a:font script="Thaa" typeface="MV Boli"/>
+        <a:font script="Deva" typeface="Mangal"/>
+        <a:font script="Telu" typeface="Gautami"/>
+        <a:font script="Taml" typeface="Latha"/>
+        <a:font script="Syrc" typeface="Estrangelo Edessa"/>
+        <a:font script="Orya" typeface="Kalinga"/>
+        <a:font script="Mlym" typeface="Kartika"/>
+        <a:font script="Laoo" typeface="DokChampa"/>
+        <a:font script="Sinh" typeface="Iskoola Pota"/>
+        <a:font script="Mong" typeface="Mongolian Baiti"/>
+        <a:font script="Viet" typeface="Arial"/>
+        <a:font script="Uigh" typeface="Microsoft Uighur"/>
+        <a:font script="Geor" typeface="Sylfaen"/>
+      </a:minorFont>
+    </a:fontScheme>
+    <a:fmtScheme name="Office">
+      <a:fillStyleLst>
+        <a:solidFill>
+          <a:schemeClr val="phClr"/>
+        </a:solidFill>
+        <a:gradFill rotWithShape="1">
+          <a:gsLst>
+            <a:gs pos="0">
+              <a:schemeClr val="phClr">
+                <a:tint val="50000"/>
+                <a:satMod val="300000"/>
+              </a:schemeClr>
+            </a:gs>
+            <a:gs pos="35000">
+              <a:schemeClr val="phClr">
+                <a:tint val="37000"/>
+                <a:satMod val="300000"/>
+              </a:schemeClr>
+            </a:gs>
+            <a:gs pos="100000">
+              <a:schemeClr val="phClr">
+                <a:tint val="15000"/>
+                <a:satMod val="350000"/>
+              </a:schemeClr>
+            </a:gs>
+          </a:gsLst>
+          <a:lin ang="16200000" scaled="1"/>
+        </a:gradFill>
+        <a:gradFill rotWithShape="1">
+          <a:gsLst>
+            <a:gs pos="0">
+              <a:schemeClr val="phClr">
+                <a:tint val="100000"/>
+                <a:shade val="100000"/>
+                <a:satMod val="130000"/>
+              </a:schemeClr>
+            </a:gs>
+            <a:gs pos="100000">
+              <a:schemeClr val="phClr">
+                <a:tint val="50000"/>
+                <a:shade val="100000"/>
+                <a:satMod val="350000"/>
+              </a:schemeClr>
+            </a:gs>
+          </a:gsLst>
+          <a:lin ang="16200000" scaled="0"/>
+        </a:gradFill>
+      </a:fillStyleLst>
+      <a:lnStyleLst>
+        <a:ln w="9525" cap="flat" cmpd="sng" algn="ctr">
+          <a:solidFill>
+            <a:schemeClr val="phClr">
+              <a:shade val="95000"/>
+              <a:satMod val="105000"/>
+            </a:schemeClr>
+          </a:solidFill>
+          <a:prstDash val="solid"/>
+        </a:ln>
+        <a:ln w="25400" cap="flat" cmpd="sng" algn="ctr">
+          <a:solidFill>
+            <a:schemeClr val="phClr"/>
+          </a:solidFill>
+          <a:prstDash val="solid"/>
+        </a:ln>
+        <a:ln w="38100" cap="flat" cmpd="sng" algn="ctr">
+          <a:solidFill>
+            <a:schemeClr val="phClr"/>
+          </a:solidFill>
+          <a:prstDash val="solid"/>
+        </a:ln>
+      </a:lnStyleLst>
+      <a:effectStyleLst>
+        <a:effectStyle>
+          <a:effectLst>
+            <a:outerShdw blurRad="40000" dist="20000" dir="5400000" rotWithShape="0">
+              <a:srgbClr val="000000">
+                <a:alpha val="38000"/>
+              </a:srgbClr>
+            </a:outerShdw>
+          </a:effectLst>
+        </a:effectStyle>
+        <a:effectStyle>
+          <a:effectLst>
+            <a:outerShdw blurRad="40000" dist="23000" dir="5400000" rotWithShape="0">
+              <a:srgbClr val="000000">
+                <a:alpha val="35000"/>
+              </a:srgbClr>
+            </a:outerShdw>
+          </a:effectLst>
+        </a:effectStyle>
+        <a:effectStyle>
+          <a:effectLst>
+            <a:outerShdw blurRad="40000" dist="23000" dir="5400000" rotWithShape="0">
+              <a:srgbClr val="000000">
+                <a:alpha val="35000"/>
+              </a:srgbClr>
+            </a:outerShdw>
+          </a:effectLst>
+          <a:scene3d>
+            <a:camera prst="orthographicFront">
+              <a:rot lat="0" lon="0" rev="0"/>
+            </a:camera>
+            <a:lightRig rig="threePt" dir="t">
+              <a:rot lat="0" lon="0" rev="1200000"/>
+            </a:lightRig>
+          </a:scene3d>
+          <a:sp3d>
+            <a:bevelT w="63500" h="25400"/>
+          </a:sp3d>
+        </a:effectStyle>
+      </a:effectStyleLst>
+      <a:bgFillStyleLst>
+        <a:solidFill>
+          <a:schemeClr val="phClr"/>
+        </a:solidFill>
+        <a:gradFill rotWithShape="1">
+          <a:gsLst>
+            <a:gs pos="0">
+              <a:schemeClr val="phClr">
+                <a:tint val="40000"/>
+                <a:satMod val="350000"/>
+              </a:schemeClr>
+            </a:gs>
+            <a:gs pos="40000">
+              <a:schemeClr val="phClr">
+                <a:tint val="45000"/>
+                <a:shade val="99000"/>
+                <a:satMod val="350000"/>
+              </a:schemeClr>
+            </a:gs>
+            <a:gs pos="100000">
+              <a:schemeClr val="phClr">
+                <a:shade val="20000"/>
+                <a:satMod val="255000"/>
+              </a:schemeClr>
+            </a:gs>
+          </a:gsLst>
+          <a:path path="circle">
+            <a:fillToRect l="50000" t="-80000" r="50000" b="180000"/>
+          </a:path>
+        </a:gradFill>
+        <a:gradFill rotWithShape="1">
+          <a:gsLst>
+            <a:gs pos="0">
+              <a:schemeClr val="phClr">
+                <a:tint val="80000"/>
+                <a:satMod val="300000"/>
+              </a:schemeClr>
+            </a:gs>
+            <a:gs pos="100000">
+              <a:schemeClr val="phClr">
+                <a:shade val="30000"/>
+                <a:satMod val="200000"/>
+              </a:schemeClr>
+            </a:gs>
+          </a:gsLst>
+          <a:path path="circle">
+            <a:fillToRect l="50000" t="50000" r="50000" b="50000"/>
+          </a:path>
+        </a:gradFill>
+      </a:bgFillStyleLst>
+    </a:fmtScheme>
+  </a:themeElements>
+</a:theme>
+</file>
+
+<file path=ppt/theme/theme2.xml><?xml version="1.0" encoding="utf-8"?>
 <a:theme xmlns:a="http://schemas.openxmlformats.org/drawingml/2006/main" xmlns:r="http://schemas.openxmlformats.org/officeDocument/2006/relationships" name="Simple Light">
   <a:themeElements>
     <a:clrScheme name="Simple Light">
@@ -30217,283 +30542,4 @@
     </a:fmtScheme>
   </a:themeElements>
 </a:theme>
-</file>
-
-<file path=ppt/theme/theme2.xml><?xml version="1.0" encoding="utf-8"?>
-<a:theme xmlns:a="http://schemas.openxmlformats.org/drawingml/2006/main" xmlns:r="http://schemas.openxmlformats.org/officeDocument/2006/relationships">
-  <a:themeElements>
-    <a:clrScheme name="Default">
-      <a:dk1>
-        <a:srgbClr val="000000"/>
-      </a:dk1>
-      <a:lt1>
-        <a:srgbClr val="FFFFFF"/>
-      </a:lt1>
-      <a:dk2>
-        <a:srgbClr val="158158"/>
-      </a:dk2>
-      <a:lt2>
-        <a:srgbClr val="F3F3F3"/>
-      </a:lt2>
-      <a:accent1>
-        <a:srgbClr val="058DC7"/>
-      </a:accent1>
-      <a:accent2>
-        <a:srgbClr val="50B432"/>
-      </a:accent2>
-      <a:accent3>
-        <a:srgbClr val="ED561B"/>
-      </a:accent3>
-      <a:accent4>
-        <a:srgbClr val="EDEF00"/>
-      </a:accent4>
-      <a:accent5>
-        <a:srgbClr val="24CBE5"/>
-      </a:accent5>
-      <a:accent6>
-        <a:srgbClr val="64E572"/>
-      </a:accent6>
-      <a:hlink>
-        <a:srgbClr val="2200CC"/>
-      </a:hlink>
-      <a:folHlink>
-        <a:srgbClr val="551A8B"/>
-      </a:folHlink>
-    </a:clrScheme>
-    <a:fontScheme name="Office">
-      <a:majorFont>
-        <a:latin typeface="Arial"/>
-        <a:ea typeface=""/>
-        <a:cs typeface=""/>
-        <a:font script="Jpan" typeface="ＭＳ Ｐゴシック"/>
-        <a:font script="Hang" typeface="맑은 고딕"/>
-        <a:font script="Hans" typeface="宋体"/>
-        <a:font script="Hant" typeface="新細明體"/>
-        <a:font script="Arab" typeface="Times New Roman"/>
-        <a:font script="Hebr" typeface="Times New Roman"/>
-        <a:font script="Thai" typeface="Angsana New"/>
-        <a:font script="Ethi" typeface="Nyala"/>
-        <a:font script="Beng" typeface="Vrinda"/>
-        <a:font script="Gujr" typeface="Shruti"/>
-        <a:font script="Khmr" typeface="MoolBoran"/>
-        <a:font script="Knda" typeface="Tunga"/>
-        <a:font script="Guru" typeface="Raavi"/>
-        <a:font script="Cans" typeface="Euphemia"/>
-        <a:font script="Cher" typeface="Plantagenet Cherokee"/>
-        <a:font script="Yiii" typeface="Microsoft Yi Baiti"/>
-        <a:font script="Tibt" typeface="Microsoft Himalaya"/>
-        <a:font script="Thaa" typeface="MV Boli"/>
-        <a:font script="Deva" typeface="Mangal"/>
-        <a:font script="Telu" typeface="Gautami"/>
-        <a:font script="Taml" typeface="Latha"/>
-        <a:font script="Syrc" typeface="Estrangelo Edessa"/>
-        <a:font script="Orya" typeface="Kalinga"/>
-        <a:font script="Mlym" typeface="Kartika"/>
-        <a:font script="Laoo" typeface="DokChampa"/>
-        <a:font script="Sinh" typeface="Iskoola Pota"/>
-        <a:font script="Mong" typeface="Mongolian Baiti"/>
-        <a:font script="Viet" typeface="Times New Roman"/>
-        <a:font script="Uigh" typeface="Microsoft Uighur"/>
-        <a:font script="Geor" typeface="Sylfaen"/>
-      </a:majorFont>
-      <a:minorFont>
-        <a:latin typeface="Arial"/>
-        <a:ea typeface=""/>
-        <a:cs typeface=""/>
-        <a:font script="Jpan" typeface="ＭＳ Ｐゴシック"/>
-        <a:font script="Hang" typeface="맑은 고딕"/>
-        <a:font script="Hans" typeface="宋体"/>
-        <a:font script="Hant" typeface="新細明體"/>
-        <a:font script="Arab" typeface="Arial"/>
-        <a:font script="Hebr" typeface="Arial"/>
-        <a:font script="Thai" typeface="Cordia New"/>
-        <a:font script="Ethi" typeface="Nyala"/>
-        <a:font script="Beng" typeface="Vrinda"/>
-        <a:font script="Gujr" typeface="Shruti"/>
-        <a:font script="Khmr" typeface="DaunPenh"/>
-        <a:font script="Knda" typeface="Tunga"/>
-        <a:font script="Guru" typeface="Raavi"/>
-        <a:font script="Cans" typeface="Euphemia"/>
-        <a:font script="Cher" typeface="Plantagenet Cherokee"/>
-        <a:font script="Yiii" typeface="Microsoft Yi Baiti"/>
-        <a:font script="Tibt" typeface="Microsoft Himalaya"/>
-        <a:font script="Thaa" typeface="MV Boli"/>
-        <a:font script="Deva" typeface="Mangal"/>
-        <a:font script="Telu" typeface="Gautami"/>
-        <a:font script="Taml" typeface="Latha"/>
-        <a:font script="Syrc" typeface="Estrangelo Edessa"/>
-        <a:font script="Orya" typeface="Kalinga"/>
-        <a:font script="Mlym" typeface="Kartika"/>
-        <a:font script="Laoo" typeface="DokChampa"/>
-        <a:font script="Sinh" typeface="Iskoola Pota"/>
-        <a:font script="Mong" typeface="Mongolian Baiti"/>
-        <a:font script="Viet" typeface="Arial"/>
-        <a:font script="Uigh" typeface="Microsoft Uighur"/>
-        <a:font script="Geor" typeface="Sylfaen"/>
-      </a:minorFont>
-    </a:fontScheme>
-    <a:fmtScheme name="Office">
-      <a:fillStyleLst>
-        <a:solidFill>
-          <a:schemeClr val="phClr"/>
-        </a:solidFill>
-        <a:gradFill rotWithShape="1">
-          <a:gsLst>
-            <a:gs pos="0">
-              <a:schemeClr val="phClr">
-                <a:tint val="50000"/>
-                <a:satMod val="300000"/>
-              </a:schemeClr>
-            </a:gs>
-            <a:gs pos="35000">
-              <a:schemeClr val="phClr">
-                <a:tint val="37000"/>
-                <a:satMod val="300000"/>
-              </a:schemeClr>
-            </a:gs>
-            <a:gs pos="100000">
-              <a:schemeClr val="phClr">
-                <a:tint val="15000"/>
-                <a:satMod val="350000"/>
-              </a:schemeClr>
-            </a:gs>
-          </a:gsLst>
-          <a:lin ang="16200000" scaled="1"/>
-        </a:gradFill>
-        <a:gradFill rotWithShape="1">
-          <a:gsLst>
-            <a:gs pos="0">
-              <a:schemeClr val="phClr">
-                <a:tint val="100000"/>
-                <a:shade val="100000"/>
-                <a:satMod val="130000"/>
-              </a:schemeClr>
-            </a:gs>
-            <a:gs pos="100000">
-              <a:schemeClr val="phClr">
-                <a:tint val="50000"/>
-                <a:shade val="100000"/>
-                <a:satMod val="350000"/>
-              </a:schemeClr>
-            </a:gs>
-          </a:gsLst>
-          <a:lin ang="16200000" scaled="0"/>
-        </a:gradFill>
-      </a:fillStyleLst>
-      <a:lnStyleLst>
-        <a:ln w="9525" cap="flat" cmpd="sng" algn="ctr">
-          <a:solidFill>
-            <a:schemeClr val="phClr">
-              <a:shade val="95000"/>
-              <a:satMod val="105000"/>
-            </a:schemeClr>
-          </a:solidFill>
-          <a:prstDash val="solid"/>
-        </a:ln>
-        <a:ln w="25400" cap="flat" cmpd="sng" algn="ctr">
-          <a:solidFill>
-            <a:schemeClr val="phClr"/>
-          </a:solidFill>
-          <a:prstDash val="solid"/>
-        </a:ln>
-        <a:ln w="38100" cap="flat" cmpd="sng" algn="ctr">
-          <a:solidFill>
-            <a:schemeClr val="phClr"/>
-          </a:solidFill>
-          <a:prstDash val="solid"/>
-        </a:ln>
-      </a:lnStyleLst>
-      <a:effectStyleLst>
-        <a:effectStyle>
-          <a:effectLst>
-            <a:outerShdw blurRad="40000" dist="20000" dir="5400000" rotWithShape="0">
-              <a:srgbClr val="000000">
-                <a:alpha val="38000"/>
-              </a:srgbClr>
-            </a:outerShdw>
-          </a:effectLst>
-        </a:effectStyle>
-        <a:effectStyle>
-          <a:effectLst>
-            <a:outerShdw blurRad="40000" dist="23000" dir="5400000" rotWithShape="0">
-              <a:srgbClr val="000000">
-                <a:alpha val="35000"/>
-              </a:srgbClr>
-            </a:outerShdw>
-          </a:effectLst>
-        </a:effectStyle>
-        <a:effectStyle>
-          <a:effectLst>
-            <a:outerShdw blurRad="40000" dist="23000" dir="5400000" rotWithShape="0">
-              <a:srgbClr val="000000">
-                <a:alpha val="35000"/>
-              </a:srgbClr>
-            </a:outerShdw>
-          </a:effectLst>
-          <a:scene3d>
-            <a:camera prst="orthographicFront">
-              <a:rot lat="0" lon="0" rev="0"/>
-            </a:camera>
-            <a:lightRig rig="threePt" dir="t">
-              <a:rot lat="0" lon="0" rev="1200000"/>
-            </a:lightRig>
-          </a:scene3d>
-          <a:sp3d>
-            <a:bevelT w="63500" h="25400"/>
-          </a:sp3d>
-        </a:effectStyle>
-      </a:effectStyleLst>
-      <a:bgFillStyleLst>
-        <a:solidFill>
-          <a:schemeClr val="phClr"/>
-        </a:solidFill>
-        <a:gradFill rotWithShape="1">
-          <a:gsLst>
-            <a:gs pos="0">
-              <a:schemeClr val="phClr">
-                <a:tint val="40000"/>
-                <a:satMod val="350000"/>
-              </a:schemeClr>
-            </a:gs>
-            <a:gs pos="40000">
-              <a:schemeClr val="phClr">
-                <a:tint val="45000"/>
-                <a:shade val="99000"/>
-                <a:satMod val="350000"/>
-              </a:schemeClr>
-            </a:gs>
-            <a:gs pos="100000">
-              <a:schemeClr val="phClr">
-                <a:shade val="20000"/>
-                <a:satMod val="255000"/>
-              </a:schemeClr>
-            </a:gs>
-          </a:gsLst>
-          <a:path path="circle">
-            <a:fillToRect l="50000" t="-80000" r="50000" b="180000"/>
-          </a:path>
-        </a:gradFill>
-        <a:gradFill rotWithShape="1">
-          <a:gsLst>
-            <a:gs pos="0">
-              <a:schemeClr val="phClr">
-                <a:tint val="80000"/>
-                <a:satMod val="300000"/>
-              </a:schemeClr>
-            </a:gs>
-            <a:gs pos="100000">
-              <a:schemeClr val="phClr">
-                <a:shade val="30000"/>
-                <a:satMod val="200000"/>
-              </a:schemeClr>
-            </a:gs>
-          </a:gsLst>
-          <a:path path="circle">
-            <a:fillToRect l="50000" t="50000" r="50000" b="50000"/>
-          </a:path>
-        </a:gradFill>
-      </a:bgFillStyleLst>
-    </a:fmtScheme>
-  </a:themeElements>
-</a:theme>
 </file>
--- a/MECM PT/Release V1.1/MECM admin role support.pptx
+++ b/MECM PT/Release V1.1/MECM admin role support.pptx
@@ -24019,7 +24019,7 @@
         </p:nvSpPr>
         <p:spPr>
           <a:xfrm>
-            <a:off x="311700" y="445025"/>
+            <a:off x="311700" y="216425"/>
             <a:ext cx="8520600" cy="572700"/>
           </a:xfrm>
           <a:prstGeom prst="rect">
@@ -24536,7 +24536,7 @@
         </p:nvSpPr>
         <p:spPr>
           <a:xfrm>
-            <a:off x="311700" y="445025"/>
+            <a:off x="311700" y="140225"/>
             <a:ext cx="8520600" cy="572700"/>
           </a:xfrm>
           <a:prstGeom prst="rect">
@@ -26971,7 +26971,7 @@
         </p:nvSpPr>
         <p:spPr>
           <a:xfrm>
-            <a:off x="235500" y="64025"/>
+            <a:off x="235500" y="-88375"/>
             <a:ext cx="7674300" cy="572700"/>
           </a:xfrm>
           <a:prstGeom prst="rect">

--- a/MECM PT/Release V1.1/MECM admin role support.pptx
+++ b/MECM PT/Release V1.1/MECM admin role support.pptx
@@ -7998,7 +7998,7 @@
                   <a:srgbClr val="000000"/>
                 </a:solidFill>
               </a:rPr>
-              <a:t>MECM Admin role support</a:t>
+              <a:t>MECM Admin Role Support</a:t>
             </a:r>
             <a:endParaRPr b="1" sz="4000">
               <a:solidFill>
@@ -8043,10 +8043,10 @@
               <a:buNone/>
             </a:pPr>
             <a:r>
-              <a:rPr lang="en" sz="1700"/>
+              <a:rPr b="1" lang="en" sz="1700"/>
               <a:t>Shashikanth &amp; Yangyang</a:t>
             </a:r>
-            <a:endParaRPr sz="1700"/>
+            <a:endParaRPr b="1" sz="1700"/>
           </a:p>
         </p:txBody>
       </p:sp>
@@ -11017,7 +11017,7 @@
         </p:spPr>
         <p:txBody>
           <a:bodyPr anchorCtr="0" anchor="t" bIns="91425" lIns="91425" spcFirstLastPara="1" rIns="91425" wrap="square" tIns="91425">
-            <a:normAutofit lnSpcReduction="10000"/>
+            <a:normAutofit fontScale="77500" lnSpcReduction="20000"/>
           </a:bodyPr>
           <a:lstStyle/>
           <a:p>
@@ -11034,12 +11034,7 @@
               <a:buNone/>
             </a:pPr>
             <a:r>
-              <a:rPr b="1" lang="en" sz="1900">
-                <a:solidFill>
-                  <a:schemeClr val="dk1"/>
-                </a:solidFill>
-              </a:rPr>
-              <a:t>MECM User Roles:</a:t>
+              <a:t/>
             </a:r>
             <a:endParaRPr b="1" sz="1900">
               <a:solidFill>
@@ -11061,22 +11056,207 @@
               <a:buNone/>
             </a:pPr>
             <a:r>
-              <a:rPr lang="en" sz="1900">
+              <a:rPr b="1" lang="en" sz="1900">
                 <a:solidFill>
                   <a:schemeClr val="dk1"/>
                 </a:solidFill>
+                <a:uFill>
+                  <a:noFill/>
+                </a:uFill>
+                <a:hlinkClick r:id="rId3">
+                  <a:extLst>
+                    <a:ext uri="{A12FA001-AC4F-418D-AE19-62706E023703}">
+                      <ahyp:hlinkClr val="tx"/>
+                    </a:ext>
+                  </a:extLst>
+                </a:hlinkClick>
+              </a:rPr>
+              <a:t>【</a:t>
+            </a:r>
+            <a:r>
+              <a:rPr b="1" lang="en" sz="1900">
+                <a:solidFill>
+                  <a:schemeClr val="dk1"/>
+                </a:solidFill>
+                <a:uFill>
+                  <a:noFill/>
+                </a:uFill>
+                <a:hlinkClick r:id="rId4">
+                  <a:extLst>
+                    <a:ext uri="{A12FA001-AC4F-418D-AE19-62706E023703}">
+                      <ahyp:hlinkClr val="tx"/>
+                    </a:ext>
+                  </a:extLst>
+                </a:hlinkClick>
+              </a:rPr>
+              <a:t>Mecm】Mecm应用支持分权控制，区分不同角色进行差异化功能展现MECM Support </a:t>
+            </a:r>
+            <a:endParaRPr/>
+          </a:p>
+          <a:p>
+            <a:pPr indent="0" lvl="0" marL="0" rtl="0" algn="l">
+              <a:lnSpc>
+                <a:spcPct val="100000"/>
+              </a:lnSpc>
+              <a:spcBef>
+                <a:spcPts val="0"/>
+              </a:spcBef>
+              <a:spcAft>
+                <a:spcPts val="0"/>
+              </a:spcAft>
+              <a:buNone/>
+            </a:pPr>
+            <a:r>
+              <a:rPr lang="en"/>
+              <a:t>  </a:t>
+            </a:r>
+            <a:r>
+              <a:rPr b="1" lang="en" sz="1900">
+                <a:solidFill>
+                  <a:schemeClr val="dk1"/>
+                </a:solidFill>
+                <a:uFill>
+                  <a:noFill/>
+                </a:uFill>
+                <a:hlinkClick r:id="rId5">
+                  <a:extLst>
+                    <a:ext uri="{A12FA001-AC4F-418D-AE19-62706E023703}">
+                      <ahyp:hlinkClr val="tx"/>
+                    </a:ext>
+                  </a:extLst>
+                </a:hlinkClick>
+              </a:rPr>
+              <a:t>Administrator/Tenant/Guest Role</a:t>
+            </a:r>
+            <a:endParaRPr b="1" sz="1900">
+              <a:solidFill>
+                <a:schemeClr val="dk1"/>
+              </a:solidFill>
+            </a:endParaRPr>
+          </a:p>
+          <a:p>
+            <a:pPr indent="0" lvl="0" marL="0" rtl="0" algn="l">
+              <a:lnSpc>
+                <a:spcPct val="100000"/>
+              </a:lnSpc>
+              <a:spcBef>
+                <a:spcPts val="0"/>
+              </a:spcBef>
+              <a:spcAft>
+                <a:spcPts val="0"/>
+              </a:spcAft>
+              <a:buNone/>
+            </a:pPr>
+            <a:r>
+              <a:t/>
+            </a:r>
+            <a:endParaRPr b="1" sz="1900">
+              <a:solidFill>
+                <a:schemeClr val="dk1"/>
+              </a:solidFill>
+            </a:endParaRPr>
+          </a:p>
+          <a:p>
+            <a:pPr indent="0" lvl="0" marL="0" rtl="0" algn="l">
+              <a:lnSpc>
+                <a:spcPct val="100000"/>
+              </a:lnSpc>
+              <a:spcBef>
+                <a:spcPts val="0"/>
+              </a:spcBef>
+              <a:spcAft>
+                <a:spcPts val="0"/>
+              </a:spcAft>
+              <a:buNone/>
+            </a:pPr>
+            <a:r>
+              <a:t/>
+            </a:r>
+            <a:endParaRPr b="1" sz="1900">
+              <a:solidFill>
+                <a:schemeClr val="dk1"/>
+              </a:solidFill>
+            </a:endParaRPr>
+          </a:p>
+          <a:p>
+            <a:pPr indent="0" lvl="0" marL="0" rtl="0" algn="l">
+              <a:lnSpc>
+                <a:spcPct val="100000"/>
+              </a:lnSpc>
+              <a:spcBef>
+                <a:spcPts val="0"/>
+              </a:spcBef>
+              <a:spcAft>
+                <a:spcPts val="0"/>
+              </a:spcAft>
+              <a:buNone/>
+            </a:pPr>
+            <a:r>
+              <a:rPr b="1" lang="en" sz="1900">
+                <a:solidFill>
+                  <a:schemeClr val="dk1"/>
+                </a:solidFill>
+              </a:rPr>
+              <a:t>MECM Administrator Role:</a:t>
+            </a:r>
+            <a:endParaRPr b="1" sz="1900">
+              <a:solidFill>
+                <a:schemeClr val="dk1"/>
+              </a:solidFill>
+            </a:endParaRPr>
+          </a:p>
+          <a:p>
+            <a:pPr indent="0" lvl="0" marL="0" rtl="0" algn="l">
+              <a:lnSpc>
+                <a:spcPct val="100000"/>
+              </a:lnSpc>
+              <a:spcBef>
+                <a:spcPts val="0"/>
+              </a:spcBef>
+              <a:spcAft>
+                <a:spcPts val="0"/>
+              </a:spcAft>
+              <a:buNone/>
+            </a:pPr>
+            <a:r>
+              <a:t/>
+            </a:r>
+            <a:endParaRPr b="1" sz="1900">
+              <a:solidFill>
+                <a:schemeClr val="dk1"/>
+              </a:solidFill>
+            </a:endParaRPr>
+          </a:p>
+          <a:p>
+            <a:pPr indent="0" lvl="0" marL="0" rtl="0" algn="l">
+              <a:lnSpc>
+                <a:spcPct val="100000"/>
+              </a:lnSpc>
+              <a:spcBef>
+                <a:spcPts val="0"/>
+              </a:spcBef>
+              <a:spcAft>
+                <a:spcPts val="0"/>
+              </a:spcAft>
+              <a:buNone/>
+            </a:pPr>
+            <a:r>
+              <a:rPr lang="en" sz="2185">
+                <a:solidFill>
+                  <a:schemeClr val="dk1"/>
+                </a:solidFill>
               </a:rPr>
               <a:t>    A</a:t>
             </a:r>
             <a:r>
-              <a:rPr lang="en" sz="1700">
+              <a:rPr lang="en" sz="1985">
                 <a:solidFill>
                   <a:schemeClr val="dk1"/>
                 </a:solidFill>
               </a:rPr>
-              <a:t>dministration role support is required to have better control over underlying infrastructure and resources of all the tenant.</a:t>
-            </a:r>
-            <a:endParaRPr sz="1700">
+              <a:t>dministration role support is required to have better control over underlying infrastructure and also resources of all the tenants.</a:t>
+            </a:r>
+            <a:endParaRPr sz="1985">
               <a:solidFill>
                 <a:schemeClr val="dk1"/>
               </a:solidFill>
@@ -11105,7 +11285,7 @@
             </a:endParaRPr>
           </a:p>
           <a:p>
-            <a:pPr indent="0" lvl="0" marL="0" rtl="0" algn="l">
+            <a:pPr indent="0" lvl="0" marL="0" marR="0" rtl="0" algn="l">
               <a:lnSpc>
                 <a:spcPct val="100000"/>
               </a:lnSpc>
@@ -11120,14 +11300,14 @@
             <a:r>
               <a:t/>
             </a:r>
-            <a:endParaRPr sz="2600">
+            <a:endParaRPr sz="1985">
               <a:solidFill>
                 <a:schemeClr val="dk1"/>
               </a:solidFill>
             </a:endParaRPr>
           </a:p>
           <a:p>
-            <a:pPr indent="0" lvl="0" marL="0" rtl="0" algn="l">
+            <a:pPr indent="0" lvl="0" marL="0" marR="0" rtl="0" algn="l">
               <a:lnSpc>
                 <a:spcPct val="100000"/>
               </a:lnSpc>
@@ -11140,21 +11320,24 @@
               <a:buNone/>
             </a:pPr>
             <a:r>
-              <a:rPr lang="en" sz="1700">
+              <a:rPr lang="en" sz="1985">
                 <a:solidFill>
                   <a:schemeClr val="dk1"/>
                 </a:solidFill>
               </a:rPr>
               <a:t>Currently MECM support following roles</a:t>
             </a:r>
-            <a:endParaRPr sz="1900">
+            <a:endParaRPr sz="1985">
               <a:solidFill>
                 <a:schemeClr val="dk1"/>
               </a:solidFill>
             </a:endParaRPr>
           </a:p>
           <a:p>
-            <a:pPr indent="-330200" lvl="0" marL="457200" rtl="0" algn="l">
+            <a:pPr indent="-326321" lvl="0" marL="457200" marR="0" rtl="0" algn="l">
+              <a:lnSpc>
+                <a:spcPct val="100000"/>
+              </a:lnSpc>
               <a:spcBef>
                 <a:spcPts val="0"/>
               </a:spcBef>
@@ -11162,35 +11345,38 @@
                 <a:spcPts val="0"/>
               </a:spcAft>
               <a:buClr>
-                <a:srgbClr val="000000"/>
+                <a:schemeClr val="dk1"/>
               </a:buClr>
-              <a:buSzPts val="1600"/>
+              <a:buSzPct val="100000"/>
               <a:buAutoNum type="arabicPeriod"/>
             </a:pPr>
             <a:r>
-              <a:rPr b="1" lang="en" sz="1700">
+              <a:rPr b="1" lang="en" sz="1985">
                 <a:solidFill>
                   <a:schemeClr val="dk1"/>
                 </a:solidFill>
               </a:rPr>
-              <a:t>Tenant </a:t>
-            </a:r>
-            <a:r>
-              <a:rPr lang="en" sz="1700">
+              <a:t>Tenant</a:t>
+            </a:r>
+            <a:r>
+              <a:rPr lang="en" sz="1985">
                 <a:solidFill>
                   <a:schemeClr val="dk1"/>
                 </a:solidFill>
               </a:rPr>
-              <a:t>                     already supported in v0.9 </a:t>
-            </a:r>
-            <a:endParaRPr sz="1700">
+              <a:t>                      already supported in v0.9 </a:t>
+            </a:r>
+            <a:endParaRPr sz="1985">
               <a:solidFill>
                 <a:schemeClr val="dk1"/>
               </a:solidFill>
             </a:endParaRPr>
           </a:p>
           <a:p>
-            <a:pPr indent="-330200" lvl="0" marL="457200" rtl="0" algn="l">
+            <a:pPr indent="-326321" lvl="0" marL="457200" marR="0" rtl="0" algn="l">
+              <a:lnSpc>
+                <a:spcPct val="100000"/>
+              </a:lnSpc>
               <a:spcBef>
                 <a:spcPts val="0"/>
               </a:spcBef>
@@ -11198,26 +11384,26 @@
                 <a:spcPts val="0"/>
               </a:spcAft>
               <a:buClr>
-                <a:srgbClr val="000000"/>
+                <a:schemeClr val="dk1"/>
               </a:buClr>
-              <a:buSzPts val="1600"/>
+              <a:buSzPct val="100000"/>
               <a:buAutoNum type="arabicPeriod"/>
             </a:pPr>
             <a:r>
-              <a:rPr b="1" lang="en" sz="1700">
+              <a:rPr b="1" lang="en" sz="1985">
                 <a:solidFill>
                   <a:schemeClr val="dk1"/>
                 </a:solidFill>
               </a:rPr>
-              <a:t>Guest</a:t>
-            </a:r>
-            <a:r>
-              <a:rPr lang="en" sz="1700">
+              <a:t>Guest   </a:t>
+            </a:r>
+            <a:r>
+              <a:rPr lang="en" sz="1985">
                 <a:solidFill>
                   <a:schemeClr val="dk1"/>
                 </a:solidFill>
               </a:rPr>
-              <a:t>                       already supported in v1.0</a:t>
+              <a:t>                    already supported in v1.0</a:t>
             </a:r>
             <a:endParaRPr sz="1600">
               <a:solidFill>
@@ -11228,7 +11414,7 @@
           <a:p>
             <a:pPr indent="0" lvl="0" marL="0" rtl="0" algn="l">
               <a:spcBef>
-                <a:spcPts val="1200"/>
+                <a:spcPts val="0"/>
               </a:spcBef>
               <a:spcAft>
                 <a:spcPts val="0"/>
@@ -24209,7 +24395,23 @@
             </a:pPr>
             <a:r>
               <a:rPr lang="en"/>
-              <a:t>1.Application package </a:t>
+              <a:t>1.Application package</a:t>
+            </a:r>
+            <a:endParaRPr/>
+          </a:p>
+          <a:p>
+            <a:pPr indent="0" lvl="0" marL="0" rtl="0" algn="l">
+              <a:spcBef>
+                <a:spcPts val="0"/>
+              </a:spcBef>
+              <a:spcAft>
+                <a:spcPts val="0"/>
+              </a:spcAft>
+              <a:buNone/>
+            </a:pPr>
+            <a:r>
+              <a:rPr lang="en"/>
+              <a:t>       </a:t>
             </a:r>
             <a:r>
               <a:rPr lang="en">
@@ -24244,8 +24446,39 @@
               <a:buNone/>
             </a:pPr>
             <a:r>
+              <a:t/>
+            </a:r>
+            <a:endParaRPr/>
+          </a:p>
+          <a:p>
+            <a:pPr indent="0" lvl="0" marL="0" rtl="0" algn="l">
+              <a:spcBef>
+                <a:spcPts val="0"/>
+              </a:spcBef>
+              <a:spcAft>
+                <a:spcPts val="0"/>
+              </a:spcAft>
+              <a:buNone/>
+            </a:pPr>
+            <a:r>
               <a:rPr lang="en"/>
-              <a:t>2.Application LCM operations etc...</a:t>
+              <a:t>    2.Application LCM   </a:t>
+            </a:r>
+            <a:endParaRPr/>
+          </a:p>
+          <a:p>
+            <a:pPr indent="0" lvl="0" marL="0" rtl="0" algn="l">
+              <a:spcBef>
+                <a:spcPts val="0"/>
+              </a:spcBef>
+              <a:spcAft>
+                <a:spcPts val="0"/>
+              </a:spcAft>
+              <a:buNone/>
+            </a:pPr>
+            <a:r>
+              <a:rPr lang="en"/>
+              <a:t>       operations etc...</a:t>
             </a:r>
             <a:endParaRPr/>
           </a:p>
@@ -24337,7 +24570,7 @@
             <a:endParaRPr/>
           </a:p>
           <a:p>
-            <a:pPr indent="0" lvl="0" marL="0" rtl="0" algn="ctr">
+            <a:pPr indent="0" lvl="0" marL="0" rtl="0" algn="l">
               <a:spcBef>
                 <a:spcPts val="0"/>
               </a:spcBef>
@@ -24348,12 +24581,12 @@
             </a:pPr>
             <a:r>
               <a:rPr lang="en"/>
-              <a:t>2. Distributed application packages and its status</a:t>
+              <a:t> 2. Distributed application </a:t>
             </a:r>
             <a:endParaRPr/>
           </a:p>
           <a:p>
-            <a:pPr indent="0" lvl="0" marL="0" rtl="0" algn="ctr">
+            <a:pPr indent="0" lvl="0" marL="0" rtl="0" algn="l">
               <a:spcBef>
                 <a:spcPts val="0"/>
               </a:spcBef>
@@ -24364,7 +24597,39 @@
             </a:pPr>
             <a:r>
               <a:rPr lang="en"/>
-              <a:t>3. Configured application rules etc...</a:t>
+              <a:t>    packages and its status</a:t>
+            </a:r>
+            <a:endParaRPr/>
+          </a:p>
+          <a:p>
+            <a:pPr indent="0" lvl="0" marL="0" rtl="0" algn="l">
+              <a:spcBef>
+                <a:spcPts val="0"/>
+              </a:spcBef>
+              <a:spcAft>
+                <a:spcPts val="0"/>
+              </a:spcAft>
+              <a:buNone/>
+            </a:pPr>
+            <a:r>
+              <a:rPr lang="en"/>
+              <a:t> 3. Configured application </a:t>
+            </a:r>
+            <a:endParaRPr/>
+          </a:p>
+          <a:p>
+            <a:pPr indent="0" lvl="0" marL="0" rtl="0" algn="l">
+              <a:spcBef>
+                <a:spcPts val="0"/>
+              </a:spcBef>
+              <a:spcAft>
+                <a:spcPts val="0"/>
+              </a:spcAft>
+              <a:buNone/>
+            </a:pPr>
+            <a:r>
+              <a:rPr lang="en"/>
+              <a:t>     rules etc...</a:t>
             </a:r>
             <a:endParaRPr/>
           </a:p>
@@ -24468,7 +24733,59 @@
             </a:pPr>
             <a:r>
               <a:rPr lang="en"/>
-              <a:t>Display edge KPI(CPU, MEM, DISK) and host software capabilities</a:t>
+              <a:t>Display </a:t>
+            </a:r>
+            <a:endParaRPr/>
+          </a:p>
+          <a:p>
+            <a:pPr indent="0" lvl="0" marL="0" rtl="0" algn="ctr">
+              <a:spcBef>
+                <a:spcPts val="0"/>
+              </a:spcBef>
+              <a:spcAft>
+                <a:spcPts val="0"/>
+              </a:spcAft>
+              <a:buNone/>
+            </a:pPr>
+            <a:r>
+              <a:rPr lang="en"/>
+              <a:t>1. E</a:t>
+            </a:r>
+            <a:r>
+              <a:rPr lang="en"/>
+              <a:t>dge KPI(CPU, MEM, DISK) and</a:t>
+            </a:r>
+            <a:endParaRPr/>
+          </a:p>
+          <a:p>
+            <a:pPr indent="0" lvl="0" marL="0" rtl="0" algn="l">
+              <a:spcBef>
+                <a:spcPts val="0"/>
+              </a:spcBef>
+              <a:spcAft>
+                <a:spcPts val="0"/>
+              </a:spcAft>
+              <a:buNone/>
+            </a:pPr>
+            <a:r>
+              <a:rPr lang="en"/>
+              <a:t> 2.  Host software </a:t>
+            </a:r>
+            <a:endParaRPr/>
+          </a:p>
+          <a:p>
+            <a:pPr indent="0" lvl="0" marL="0" rtl="0" algn="l">
+              <a:spcBef>
+                <a:spcPts val="0"/>
+              </a:spcBef>
+              <a:spcAft>
+                <a:spcPts val="0"/>
+              </a:spcAft>
+              <a:buNone/>
+            </a:pPr>
+            <a:r>
+              <a:rPr lang="en"/>
+              <a:t>     capabilities</a:t>
             </a:r>
             <a:endParaRPr/>
           </a:p>
@@ -29987,6 +30304,285 @@
 </file>
 
 <file path=ppt/theme/theme1.xml><?xml version="1.0" encoding="utf-8"?>
+<a:theme xmlns:a="http://schemas.openxmlformats.org/drawingml/2006/main" xmlns:r="http://schemas.openxmlformats.org/officeDocument/2006/relationships" name="Simple Light">
+  <a:themeElements>
+    <a:clrScheme name="Simple Light">
+      <a:dk1>
+        <a:srgbClr val="000000"/>
+      </a:dk1>
+      <a:lt1>
+        <a:srgbClr val="FFFFFF"/>
+      </a:lt1>
+      <a:dk2>
+        <a:srgbClr val="595959"/>
+      </a:dk2>
+      <a:lt2>
+        <a:srgbClr val="EEEEEE"/>
+      </a:lt2>
+      <a:accent1>
+        <a:srgbClr val="4285F4"/>
+      </a:accent1>
+      <a:accent2>
+        <a:srgbClr val="212121"/>
+      </a:accent2>
+      <a:accent3>
+        <a:srgbClr val="78909C"/>
+      </a:accent3>
+      <a:accent4>
+        <a:srgbClr val="FFAB40"/>
+      </a:accent4>
+      <a:accent5>
+        <a:srgbClr val="0097A7"/>
+      </a:accent5>
+      <a:accent6>
+        <a:srgbClr val="EEFF41"/>
+      </a:accent6>
+      <a:hlink>
+        <a:srgbClr val="0097A7"/>
+      </a:hlink>
+      <a:folHlink>
+        <a:srgbClr val="0097A7"/>
+      </a:folHlink>
+    </a:clrScheme>
+    <a:fontScheme name="Office">
+      <a:majorFont>
+        <a:latin typeface="Arial"/>
+        <a:ea typeface=""/>
+        <a:cs typeface=""/>
+        <a:font script="Jpan" typeface="ＭＳ Ｐゴシック"/>
+        <a:font script="Hang" typeface="맑은 고딕"/>
+        <a:font script="Hans" typeface="宋体"/>
+        <a:font script="Hant" typeface="新細明體"/>
+        <a:font script="Arab" typeface="Times New Roman"/>
+        <a:font script="Hebr" typeface="Times New Roman"/>
+        <a:font script="Thai" typeface="Angsana New"/>
+        <a:font script="Ethi" typeface="Nyala"/>
+        <a:font script="Beng" typeface="Vrinda"/>
+        <a:font script="Gujr" typeface="Shruti"/>
+        <a:font script="Khmr" typeface="MoolBoran"/>
+        <a:font script="Knda" typeface="Tunga"/>
+        <a:font script="Guru" typeface="Raavi"/>
+        <a:font script="Cans" typeface="Euphemia"/>
+        <a:font script="Cher" typeface="Plantagenet Cherokee"/>
+        <a:font script="Yiii" typeface="Microsoft Yi Baiti"/>
+        <a:font script="Tibt" typeface="Microsoft Himalaya"/>
+        <a:font script="Thaa" typeface="MV Boli"/>
+        <a:font script="Deva" typeface="Mangal"/>
+        <a:font script="Telu" typeface="Gautami"/>
+        <a:font script="Taml" typeface="Latha"/>
+        <a:font script="Syrc" typeface="Estrangelo Edessa"/>
+        <a:font script="Orya" typeface="Kalinga"/>
+        <a:font script="Mlym" typeface="Kartika"/>
+        <a:font script="Laoo" typeface="DokChampa"/>
+        <a:font script="Sinh" typeface="Iskoola Pota"/>
+        <a:font script="Mong" typeface="Mongolian Baiti"/>
+        <a:font script="Viet" typeface="Times New Roman"/>
+        <a:font script="Uigh" typeface="Microsoft Uighur"/>
+        <a:font script="Geor" typeface="Sylfaen"/>
+      </a:majorFont>
+      <a:minorFont>
+        <a:latin typeface="Arial"/>
+        <a:ea typeface=""/>
+        <a:cs typeface=""/>
+        <a:font script="Jpan" typeface="ＭＳ Ｐゴシック"/>
+        <a:font script="Hang" typeface="맑은 고딕"/>
+        <a:font script="Hans" typeface="宋体"/>
+        <a:font script="Hant" typeface="新細明體"/>
+        <a:font script="Arab" typeface="Arial"/>
+        <a:font script="Hebr" typeface="Arial"/>
+        <a:font script="Thai" typeface="Cordia New"/>
+        <a:font script="Ethi" typeface="Nyala"/>
+        <a:font script="Beng" typeface="Vrinda"/>
+        <a:font script="Gujr" typeface="Shruti"/>
+        <a:font script="Khmr" typeface="DaunPenh"/>
+        <a:font script="Knda" typeface="Tunga"/>
+        <a:font script="Guru" typeface="Raavi"/>
+        <a:font script="Cans" typeface="Euphemia"/>
+        <a:font script="Cher" typeface="Plantagenet Cherokee"/>
+        <a:font script="Yiii" typeface="Microsoft Yi Baiti"/>
+        <a:font script="Tibt" typeface="Microsoft Himalaya"/>
+        <a:font script="Thaa" typeface="MV Boli"/>
+        <a:font script="Deva" typeface="Mangal"/>
+        <a:font script="Telu" typeface="Gautami"/>
+        <a:font script="Taml" typeface="Latha"/>
+        <a:font script="Syrc" typeface="Estrangelo Edessa"/>
+        <a:font script="Orya" typeface="Kalinga"/>
+        <a:font script="Mlym" typeface="Kartika"/>
+        <a:font script="Laoo" typeface="DokChampa"/>
+        <a:font script="Sinh" typeface="Iskoola Pota"/>
+        <a:font script="Mong" typeface="Mongolian Baiti"/>
+        <a:font script="Viet" typeface="Arial"/>
+        <a:font script="Uigh" typeface="Microsoft Uighur"/>
+        <a:font script="Geor" typeface="Sylfaen"/>
+      </a:minorFont>
+    </a:fontScheme>
+    <a:fmtScheme name="Office">
+      <a:fillStyleLst>
+        <a:solidFill>
+          <a:schemeClr val="phClr"/>
+        </a:solidFill>
+        <a:gradFill rotWithShape="1">
+          <a:gsLst>
+            <a:gs pos="0">
+              <a:schemeClr val="phClr">
+                <a:tint val="50000"/>
+                <a:satMod val="300000"/>
+              </a:schemeClr>
+            </a:gs>
+            <a:gs pos="35000">
+              <a:schemeClr val="phClr">
+                <a:tint val="37000"/>
+                <a:satMod val="300000"/>
+              </a:schemeClr>
+            </a:gs>
+            <a:gs pos="100000">
+              <a:schemeClr val="phClr">
+                <a:tint val="15000"/>
+                <a:satMod val="350000"/>
+              </a:schemeClr>
+            </a:gs>
+          </a:gsLst>
+          <a:lin ang="16200000" scaled="1"/>
+        </a:gradFill>
+        <a:gradFill rotWithShape="1">
+          <a:gsLst>
+            <a:gs pos="0">
+              <a:schemeClr val="phClr">
+                <a:tint val="100000"/>
+                <a:shade val="100000"/>
+                <a:satMod val="130000"/>
+              </a:schemeClr>
+            </a:gs>
+            <a:gs pos="100000">
+              <a:schemeClr val="phClr">
+                <a:tint val="50000"/>
+                <a:shade val="100000"/>
+                <a:satMod val="350000"/>
+              </a:schemeClr>
+            </a:gs>
+          </a:gsLst>
+          <a:lin ang="16200000" scaled="0"/>
+        </a:gradFill>
+      </a:fillStyleLst>
+      <a:lnStyleLst>
+        <a:ln w="9525" cap="flat" cmpd="sng" algn="ctr">
+          <a:solidFill>
+            <a:schemeClr val="phClr">
+              <a:shade val="95000"/>
+              <a:satMod val="105000"/>
+            </a:schemeClr>
+          </a:solidFill>
+          <a:prstDash val="solid"/>
+        </a:ln>
+        <a:ln w="25400" cap="flat" cmpd="sng" algn="ctr">
+          <a:solidFill>
+            <a:schemeClr val="phClr"/>
+          </a:solidFill>
+          <a:prstDash val="solid"/>
+        </a:ln>
+        <a:ln w="38100" cap="flat" cmpd="sng" algn="ctr">
+          <a:solidFill>
+            <a:schemeClr val="phClr"/>
+          </a:solidFill>
+          <a:prstDash val="solid"/>
+        </a:ln>
+      </a:lnStyleLst>
+      <a:effectStyleLst>
+        <a:effectStyle>
+          <a:effectLst>
+            <a:outerShdw blurRad="40000" dist="20000" dir="5400000" rotWithShape="0">
+              <a:srgbClr val="000000">
+                <a:alpha val="38000"/>
+              </a:srgbClr>
+            </a:outerShdw>
+          </a:effectLst>
+        </a:effectStyle>
+        <a:effectStyle>
+          <a:effectLst>
+            <a:outerShdw blurRad="40000" dist="23000" dir="5400000" rotWithShape="0">
+              <a:srgbClr val="000000">
+                <a:alpha val="35000"/>
+              </a:srgbClr>
+            </a:outerShdw>
+          </a:effectLst>
+        </a:effectStyle>
+        <a:effectStyle>
+          <a:effectLst>
+            <a:outerShdw blurRad="40000" dist="23000" dir="5400000" rotWithShape="0">
+              <a:srgbClr val="000000">
+                <a:alpha val="35000"/>
+              </a:srgbClr>
+            </a:outerShdw>
+          </a:effectLst>
+          <a:scene3d>
+            <a:camera prst="orthographicFront">
+              <a:rot lat="0" lon="0" rev="0"/>
+            </a:camera>
+            <a:lightRig rig="threePt" dir="t">
+              <a:rot lat="0" lon="0" rev="1200000"/>
+            </a:lightRig>
+          </a:scene3d>
+          <a:sp3d>
+            <a:bevelT w="63500" h="25400"/>
+          </a:sp3d>
+        </a:effectStyle>
+      </a:effectStyleLst>
+      <a:bgFillStyleLst>
+        <a:solidFill>
+          <a:schemeClr val="phClr"/>
+        </a:solidFill>
+        <a:gradFill rotWithShape="1">
+          <a:gsLst>
+            <a:gs pos="0">
+              <a:schemeClr val="phClr">
+                <a:tint val="40000"/>
+                <a:satMod val="350000"/>
+              </a:schemeClr>
+            </a:gs>
+            <a:gs pos="40000">
+              <a:schemeClr val="phClr">
+                <a:tint val="45000"/>
+                <a:shade val="99000"/>
+                <a:satMod val="350000"/>
+              </a:schemeClr>
+            </a:gs>
+            <a:gs pos="100000">
+              <a:schemeClr val="phClr">
+                <a:shade val="20000"/>
+                <a:satMod val="255000"/>
+              </a:schemeClr>
+            </a:gs>
+          </a:gsLst>
+          <a:path path="circle">
+            <a:fillToRect l="50000" t="-80000" r="50000" b="180000"/>
+          </a:path>
+        </a:gradFill>
+        <a:gradFill rotWithShape="1">
+          <a:gsLst>
+            <a:gs pos="0">
+              <a:schemeClr val="phClr">
+                <a:tint val="80000"/>
+                <a:satMod val="300000"/>
+              </a:schemeClr>
+            </a:gs>
+            <a:gs pos="100000">
+              <a:schemeClr val="phClr">
+                <a:shade val="30000"/>
+                <a:satMod val="200000"/>
+              </a:schemeClr>
+            </a:gs>
+          </a:gsLst>
+          <a:path path="circle">
+            <a:fillToRect l="50000" t="50000" r="50000" b="50000"/>
+          </a:path>
+        </a:gradFill>
+      </a:bgFillStyleLst>
+    </a:fmtScheme>
+  </a:themeElements>
+</a:theme>
+</file>
+
+<file path=ppt/theme/theme2.xml><?xml version="1.0" encoding="utf-8"?>
 <a:theme xmlns:a="http://schemas.openxmlformats.org/drawingml/2006/main" xmlns:r="http://schemas.openxmlformats.org/officeDocument/2006/relationships">
   <a:themeElements>
     <a:clrScheme name="Default">
@@ -30263,283 +30859,4 @@
     </a:fmtScheme>
   </a:themeElements>
 </a:theme>
-</file>
-
-<file path=ppt/theme/theme2.xml><?xml version="1.0" encoding="utf-8"?>
-<a:theme xmlns:a="http://schemas.openxmlformats.org/drawingml/2006/main" xmlns:r="http://schemas.openxmlformats.org/officeDocument/2006/relationships" name="Simple Light">
-  <a:themeElements>
-    <a:clrScheme name="Simple Light">
-      <a:dk1>
-        <a:srgbClr val="000000"/>
-      </a:dk1>
-      <a:lt1>
-        <a:srgbClr val="FFFFFF"/>
-      </a:lt1>
-      <a:dk2>
-        <a:srgbClr val="595959"/>
-      </a:dk2>
-      <a:lt2>
-        <a:srgbClr val="EEEEEE"/>
-      </a:lt2>
-      <a:accent1>
-        <a:srgbClr val="4285F4"/>
-      </a:accent1>
-      <a:accent2>
-        <a:srgbClr val="212121"/>
-      </a:accent2>
-      <a:accent3>
-        <a:srgbClr val="78909C"/>
-      </a:accent3>
-      <a:accent4>
-        <a:srgbClr val="FFAB40"/>
-      </a:accent4>
-      <a:accent5>
-        <a:srgbClr val="0097A7"/>
-      </a:accent5>
-      <a:accent6>
-        <a:srgbClr val="EEFF41"/>
-      </a:accent6>
-      <a:hlink>
-        <a:srgbClr val="0097A7"/>
-      </a:hlink>
-      <a:folHlink>
-        <a:srgbClr val="0097A7"/>
-      </a:folHlink>
-    </a:clrScheme>
-    <a:fontScheme name="Office">
-      <a:majorFont>
-        <a:latin typeface="Arial"/>
-        <a:ea typeface=""/>
-        <a:cs typeface=""/>
-        <a:font script="Jpan" typeface="ＭＳ Ｐゴシック"/>
-        <a:font script="Hang" typeface="맑은 고딕"/>
-        <a:font script="Hans" typeface="宋体"/>
-        <a:font script="Hant" typeface="新細明體"/>
-        <a:font script="Arab" typeface="Times New Roman"/>
-        <a:font script="Hebr" typeface="Times New Roman"/>
-        <a:font script="Thai" typeface="Angsana New"/>
-        <a:font script="Ethi" typeface="Nyala"/>
-        <a:font script="Beng" typeface="Vrinda"/>
-        <a:font script="Gujr" typeface="Shruti"/>
-        <a:font script="Khmr" typeface="MoolBoran"/>
-        <a:font script="Knda" typeface="Tunga"/>
-        <a:font script="Guru" typeface="Raavi"/>
-        <a:font script="Cans" typeface="Euphemia"/>
-        <a:font script="Cher" typeface="Plantagenet Cherokee"/>
-        <a:font script="Yiii" typeface="Microsoft Yi Baiti"/>
-        <a:font script="Tibt" typeface="Microsoft Himalaya"/>
-        <a:font script="Thaa" typeface="MV Boli"/>
-        <a:font script="Deva" typeface="Mangal"/>
-        <a:font script="Telu" typeface="Gautami"/>
-        <a:font script="Taml" typeface="Latha"/>
-        <a:font script="Syrc" typeface="Estrangelo Edessa"/>
-        <a:font script="Orya" typeface="Kalinga"/>
-        <a:font script="Mlym" typeface="Kartika"/>
-        <a:font script="Laoo" typeface="DokChampa"/>
-        <a:font script="Sinh" typeface="Iskoola Pota"/>
-        <a:font script="Mong" typeface="Mongolian Baiti"/>
-        <a:font script="Viet" typeface="Times New Roman"/>
-        <a:font script="Uigh" typeface="Microsoft Uighur"/>
-        <a:font script="Geor" typeface="Sylfaen"/>
-      </a:majorFont>
-      <a:minorFont>
-        <a:latin typeface="Arial"/>
-        <a:ea typeface=""/>
-        <a:cs typeface=""/>
-        <a:font script="Jpan" typeface="ＭＳ Ｐゴシック"/>
-        <a:font script="Hang" typeface="맑은 고딕"/>
-        <a:font script="Hans" typeface="宋体"/>
-        <a:font script="Hant" typeface="新細明體"/>
-        <a:font script="Arab" typeface="Arial"/>
-        <a:font script="Hebr" typeface="Arial"/>
-        <a:font script="Thai" typeface="Cordia New"/>
-        <a:font script="Ethi" typeface="Nyala"/>
-        <a:font script="Beng" typeface="Vrinda"/>
-        <a:font script="Gujr" typeface="Shruti"/>
-        <a:font script="Khmr" typeface="DaunPenh"/>
-        <a:font script="Knda" typeface="Tunga"/>
-        <a:font script="Guru" typeface="Raavi"/>
-        <a:font script="Cans" typeface="Euphemia"/>
-        <a:font script="Cher" typeface="Plantagenet Cherokee"/>
-        <a:font script="Yiii" typeface="Microsoft Yi Baiti"/>
-        <a:font script="Tibt" typeface="Microsoft Himalaya"/>
-        <a:font script="Thaa" typeface="MV Boli"/>
-        <a:font script="Deva" typeface="Mangal"/>
-        <a:font script="Telu" typeface="Gautami"/>
-        <a:font script="Taml" typeface="Latha"/>
-        <a:font script="Syrc" typeface="Estrangelo Edessa"/>
-        <a:font script="Orya" typeface="Kalinga"/>
-        <a:font script="Mlym" typeface="Kartika"/>
-        <a:font script="Laoo" typeface="DokChampa"/>
-        <a:font script="Sinh" typeface="Iskoola Pota"/>
-        <a:font script="Mong" typeface="Mongolian Baiti"/>
-        <a:font script="Viet" typeface="Arial"/>
-        <a:font script="Uigh" typeface="Microsoft Uighur"/>
-        <a:font script="Geor" typeface="Sylfaen"/>
-      </a:minorFont>
-    </a:fontScheme>
-    <a:fmtScheme name="Office">
-      <a:fillStyleLst>
-        <a:solidFill>
-          <a:schemeClr val="phClr"/>
-        </a:solidFill>
-        <a:gradFill rotWithShape="1">
-          <a:gsLst>
-            <a:gs pos="0">
-              <a:schemeClr val="phClr">
-                <a:tint val="50000"/>
-                <a:satMod val="300000"/>
-              </a:schemeClr>
-            </a:gs>
-            <a:gs pos="35000">
-              <a:schemeClr val="phClr">
-                <a:tint val="37000"/>
-                <a:satMod val="300000"/>
-              </a:schemeClr>
-            </a:gs>
-            <a:gs pos="100000">
-              <a:schemeClr val="phClr">
-                <a:tint val="15000"/>
-                <a:satMod val="350000"/>
-              </a:schemeClr>
-            </a:gs>
-          </a:gsLst>
-          <a:lin ang="16200000" scaled="1"/>
-        </a:gradFill>
-        <a:gradFill rotWithShape="1">
-          <a:gsLst>
-            <a:gs pos="0">
-              <a:schemeClr val="phClr">
-                <a:tint val="100000"/>
-                <a:shade val="100000"/>
-                <a:satMod val="130000"/>
-              </a:schemeClr>
-            </a:gs>
-            <a:gs pos="100000">
-              <a:schemeClr val="phClr">
-                <a:tint val="50000"/>
-                <a:shade val="100000"/>
-                <a:satMod val="350000"/>
-              </a:schemeClr>
-            </a:gs>
-          </a:gsLst>
-          <a:lin ang="16200000" scaled="0"/>
-        </a:gradFill>
-      </a:fillStyleLst>
-      <a:lnStyleLst>
-        <a:ln w="9525" cap="flat" cmpd="sng" algn="ctr">
-          <a:solidFill>
-            <a:schemeClr val="phClr">
-              <a:shade val="95000"/>
-              <a:satMod val="105000"/>
-            </a:schemeClr>
-          </a:solidFill>
-          <a:prstDash val="solid"/>
-        </a:ln>
-        <a:ln w="25400" cap="flat" cmpd="sng" algn="ctr">
-          <a:solidFill>
-            <a:schemeClr val="phClr"/>
-          </a:solidFill>
-          <a:prstDash val="solid"/>
-        </a:ln>
-        <a:ln w="38100" cap="flat" cmpd="sng" algn="ctr">
-          <a:solidFill>
-            <a:schemeClr val="phClr"/>
-          </a:solidFill>
-          <a:prstDash val="solid"/>
-        </a:ln>
-      </a:lnStyleLst>
-      <a:effectStyleLst>
-        <a:effectStyle>
-          <a:effectLst>
-            <a:outerShdw blurRad="40000" dist="20000" dir="5400000" rotWithShape="0">
-              <a:srgbClr val="000000">
-                <a:alpha val="38000"/>
-              </a:srgbClr>
-            </a:outerShdw>
-          </a:effectLst>
-        </a:effectStyle>
-        <a:effectStyle>
-          <a:effectLst>
-            <a:outerShdw blurRad="40000" dist="23000" dir="5400000" rotWithShape="0">
-              <a:srgbClr val="000000">
-                <a:alpha val="35000"/>
-              </a:srgbClr>
-            </a:outerShdw>
-          </a:effectLst>
-        </a:effectStyle>
-        <a:effectStyle>
-          <a:effectLst>
-            <a:outerShdw blurRad="40000" dist="23000" dir="5400000" rotWithShape="0">
-              <a:srgbClr val="000000">
-                <a:alpha val="35000"/>
-              </a:srgbClr>
-            </a:outerShdw>
-          </a:effectLst>
-          <a:scene3d>
-            <a:camera prst="orthographicFront">
-              <a:rot lat="0" lon="0" rev="0"/>
-            </a:camera>
-            <a:lightRig rig="threePt" dir="t">
-              <a:rot lat="0" lon="0" rev="1200000"/>
-            </a:lightRig>
-          </a:scene3d>
-          <a:sp3d>
-            <a:bevelT w="63500" h="25400"/>
-          </a:sp3d>
-        </a:effectStyle>
-      </a:effectStyleLst>
-      <a:bgFillStyleLst>
-        <a:solidFill>
-          <a:schemeClr val="phClr"/>
-        </a:solidFill>
-        <a:gradFill rotWithShape="1">
-          <a:gsLst>
-            <a:gs pos="0">
-              <a:schemeClr val="phClr">
-                <a:tint val="40000"/>
-                <a:satMod val="350000"/>
-              </a:schemeClr>
-            </a:gs>
-            <a:gs pos="40000">
-              <a:schemeClr val="phClr">
-                <a:tint val="45000"/>
-                <a:shade val="99000"/>
-                <a:satMod val="350000"/>
-              </a:schemeClr>
-            </a:gs>
-            <a:gs pos="100000">
-              <a:schemeClr val="phClr">
-                <a:shade val="20000"/>
-                <a:satMod val="255000"/>
-              </a:schemeClr>
-            </a:gs>
-          </a:gsLst>
-          <a:path path="circle">
-            <a:fillToRect l="50000" t="-80000" r="50000" b="180000"/>
-          </a:path>
-        </a:gradFill>
-        <a:gradFill rotWithShape="1">
-          <a:gsLst>
-            <a:gs pos="0">
-              <a:schemeClr val="phClr">
-                <a:tint val="80000"/>
-                <a:satMod val="300000"/>
-              </a:schemeClr>
-            </a:gs>
-            <a:gs pos="100000">
-              <a:schemeClr val="phClr">
-                <a:shade val="30000"/>
-                <a:satMod val="200000"/>
-              </a:schemeClr>
-            </a:gs>
-          </a:gsLst>
-          <a:path path="circle">
-            <a:fillToRect l="50000" t="50000" r="50000" b="50000"/>
-          </a:path>
-        </a:gradFill>
-      </a:bgFillStyleLst>
-    </a:fmtScheme>
-  </a:themeElements>
-</a:theme>
 </file>
--- a/MECM PT/Release V1.1/MECM admin role support.pptx
+++ b/MECM PT/Release V1.1/MECM admin role support.pptx
@@ -8454,18 +8454,17 @@
           <p:cNvPicPr preferRelativeResize="0"/>
           <p:nvPr/>
         </p:nvPicPr>
-        <p:blipFill>
+        <p:blipFill rotWithShape="1">
           <a:blip r:embed="rId4">
             <a:alphaModFix/>
           </a:blip>
-          <a:stretch>
-            <a:fillRect/>
-          </a:stretch>
+          <a:srcRect b="42366" l="0" r="0" t="0"/>
+          <a:stretch/>
         </p:blipFill>
         <p:spPr>
           <a:xfrm>
             <a:off x="3533400" y="1170125"/>
-            <a:ext cx="5458200" cy="3549111"/>
+            <a:ext cx="5458200" cy="2045450"/>
           </a:xfrm>
           <a:prstGeom prst="rect">
             <a:avLst/>
@@ -30615,6 +30614,285 @@
 </file>
 
 <file path=ppt/theme/theme1.xml><?xml version="1.0" encoding="utf-8"?>
+<a:theme xmlns:a="http://schemas.openxmlformats.org/drawingml/2006/main" xmlns:r="http://schemas.openxmlformats.org/officeDocument/2006/relationships">
+  <a:themeElements>
+    <a:clrScheme name="Default">
+      <a:dk1>
+        <a:srgbClr val="000000"/>
+      </a:dk1>
+      <a:lt1>
+        <a:srgbClr val="FFFFFF"/>
+      </a:lt1>
+      <a:dk2>
+        <a:srgbClr val="158158"/>
+      </a:dk2>
+      <a:lt2>
+        <a:srgbClr val="F3F3F3"/>
+      </a:lt2>
+      <a:accent1>
+        <a:srgbClr val="058DC7"/>
+      </a:accent1>
+      <a:accent2>
+        <a:srgbClr val="50B432"/>
+      </a:accent2>
+      <a:accent3>
+        <a:srgbClr val="ED561B"/>
+      </a:accent3>
+      <a:accent4>
+        <a:srgbClr val="EDEF00"/>
+      </a:accent4>
+      <a:accent5>
+        <a:srgbClr val="24CBE5"/>
+      </a:accent5>
+      <a:accent6>
+        <a:srgbClr val="64E572"/>
+      </a:accent6>
+      <a:hlink>
+        <a:srgbClr val="2200CC"/>
+      </a:hlink>
+      <a:folHlink>
+        <a:srgbClr val="551A8B"/>
+      </a:folHlink>
+    </a:clrScheme>
+    <a:fontScheme name="Office">
+      <a:majorFont>
+        <a:latin typeface="Arial"/>
+        <a:ea typeface=""/>
+        <a:cs typeface=""/>
+        <a:font script="Jpan" typeface="ＭＳ Ｐゴシック"/>
+        <a:font script="Hang" typeface="맑은 고딕"/>
+        <a:font script="Hans" typeface="宋体"/>
+        <a:font script="Hant" typeface="新細明體"/>
+        <a:font script="Arab" typeface="Times New Roman"/>
+        <a:font script="Hebr" typeface="Times New Roman"/>
+        <a:font script="Thai" typeface="Angsana New"/>
+        <a:font script="Ethi" typeface="Nyala"/>
+        <a:font script="Beng" typeface="Vrinda"/>
+        <a:font script="Gujr" typeface="Shruti"/>
+        <a:font script="Khmr" typeface="MoolBoran"/>
+        <a:font script="Knda" typeface="Tunga"/>
+        <a:font script="Guru" typeface="Raavi"/>
+        <a:font script="Cans" typeface="Euphemia"/>
+        <a:font script="Cher" typeface="Plantagenet Cherokee"/>
+        <a:font script="Yiii" typeface="Microsoft Yi Baiti"/>
+        <a:font script="Tibt" typeface="Microsoft Himalaya"/>
+        <a:font script="Thaa" typeface="MV Boli"/>
+        <a:font script="Deva" typeface="Mangal"/>
+        <a:font script="Telu" typeface="Gautami"/>
+        <a:font script="Taml" typeface="Latha"/>
+        <a:font script="Syrc" typeface="Estrangelo Edessa"/>
+        <a:font script="Orya" typeface="Kalinga"/>
+        <a:font script="Mlym" typeface="Kartika"/>
+        <a:font script="Laoo" typeface="DokChampa"/>
+        <a:font script="Sinh" typeface="Iskoola Pota"/>
+        <a:font script="Mong" typeface="Mongolian Baiti"/>
+        <a:font script="Viet" typeface="Times New Roman"/>
+        <a:font script="Uigh" typeface="Microsoft Uighur"/>
+        <a:font script="Geor" typeface="Sylfaen"/>
+      </a:majorFont>
+      <a:minorFont>
+        <a:latin typeface="Arial"/>
+        <a:ea typeface=""/>
+        <a:cs typeface=""/>
+        <a:font script="Jpan" typeface="ＭＳ Ｐゴシック"/>
+        <a:font script="Hang" typeface="맑은 고딕"/>
+        <a:font script="Hans" typeface="宋体"/>
+        <a:font script="Hant" typeface="新細明體"/>
+        <a:font script="Arab" typeface="Arial"/>
+        <a:font script="Hebr" typeface="Arial"/>
+        <a:font script="Thai" typeface="Cordia New"/>
+        <a:font script="Ethi" typeface="Nyala"/>
+        <a:font script="Beng" typeface="Vrinda"/>
+        <a:font script="Gujr" typeface="Shruti"/>
+        <a:font script="Khmr" typeface="DaunPenh"/>
+        <a:font script="Knda" typeface="Tunga"/>
+        <a:font script="Guru" typeface="Raavi"/>
+        <a:font script="Cans" typeface="Euphemia"/>
+        <a:font script="Cher" typeface="Plantagenet Cherokee"/>
+        <a:font script="Yiii" typeface="Microsoft Yi Baiti"/>
+        <a:font script="Tibt" typeface="Microsoft Himalaya"/>
+        <a:font script="Thaa" typeface="MV Boli"/>
+        <a:font script="Deva" typeface="Mangal"/>
+        <a:font script="Telu" typeface="Gautami"/>
+        <a:font script="Taml" typeface="Latha"/>
+        <a:font script="Syrc" typeface="Estrangelo Edessa"/>
+        <a:font script="Orya" typeface="Kalinga"/>
+        <a:font script="Mlym" typeface="Kartika"/>
+        <a:font script="Laoo" typeface="DokChampa"/>
+        <a:font script="Sinh" typeface="Iskoola Pota"/>
+        <a:font script="Mong" typeface="Mongolian Baiti"/>
+        <a:font script="Viet" typeface="Arial"/>
+        <a:font script="Uigh" typeface="Microsoft Uighur"/>
+        <a:font script="Geor" typeface="Sylfaen"/>
+      </a:minorFont>
+    </a:fontScheme>
+    <a:fmtScheme name="Office">
+      <a:fillStyleLst>
+        <a:solidFill>
+          <a:schemeClr val="phClr"/>
+        </a:solidFill>
+        <a:gradFill rotWithShape="1">
+          <a:gsLst>
+            <a:gs pos="0">
+              <a:schemeClr val="phClr">
+                <a:tint val="50000"/>
+                <a:satMod val="300000"/>
+              </a:schemeClr>
+            </a:gs>
+            <a:gs pos="35000">
+              <a:schemeClr val="phClr">
+                <a:tint val="37000"/>
+                <a:satMod val="300000"/>
+              </a:schemeClr>
+            </a:gs>
+            <a:gs pos="100000">
+              <a:schemeClr val="phClr">
+                <a:tint val="15000"/>
+                <a:satMod val="350000"/>
+              </a:schemeClr>
+            </a:gs>
+          </a:gsLst>
+          <a:lin ang="16200000" scaled="1"/>
+        </a:gradFill>
+        <a:gradFill rotWithShape="1">
+          <a:gsLst>
+            <a:gs pos="0">
+              <a:schemeClr val="phClr">
+                <a:tint val="100000"/>
+                <a:shade val="100000"/>
+                <a:satMod val="130000"/>
+              </a:schemeClr>
+            </a:gs>
+            <a:gs pos="100000">
+              <a:schemeClr val="phClr">
+                <a:tint val="50000"/>
+                <a:shade val="100000"/>
+                <a:satMod val="350000"/>
+              </a:schemeClr>
+            </a:gs>
+          </a:gsLst>
+          <a:lin ang="16200000" scaled="0"/>
+        </a:gradFill>
+      </a:fillStyleLst>
+      <a:lnStyleLst>
+        <a:ln w="9525" cap="flat" cmpd="sng" algn="ctr">
+          <a:solidFill>
+            <a:schemeClr val="phClr">
+              <a:shade val="95000"/>
+              <a:satMod val="105000"/>
+            </a:schemeClr>
+          </a:solidFill>
+          <a:prstDash val="solid"/>
+        </a:ln>
+        <a:ln w="25400" cap="flat" cmpd="sng" algn="ctr">
+          <a:solidFill>
+            <a:schemeClr val="phClr"/>
+          </a:solidFill>
+          <a:prstDash val="solid"/>
+        </a:ln>
+        <a:ln w="38100" cap="flat" cmpd="sng" algn="ctr">
+          <a:solidFill>
+            <a:schemeClr val="phClr"/>
+          </a:solidFill>
+          <a:prstDash val="solid"/>
+        </a:ln>
+      </a:lnStyleLst>
+      <a:effectStyleLst>
+        <a:effectStyle>
+          <a:effectLst>
+            <a:outerShdw blurRad="40000" dist="20000" dir="5400000" rotWithShape="0">
+              <a:srgbClr val="000000">
+                <a:alpha val="38000"/>
+              </a:srgbClr>
+            </a:outerShdw>
+          </a:effectLst>
+        </a:effectStyle>
+        <a:effectStyle>
+          <a:effectLst>
+            <a:outerShdw blurRad="40000" dist="23000" dir="5400000" rotWithShape="0">
+              <a:srgbClr val="000000">
+                <a:alpha val="35000"/>
+              </a:srgbClr>
+            </a:outerShdw>
+          </a:effectLst>
+        </a:effectStyle>
+        <a:effectStyle>
+          <a:effectLst>
+            <a:outerShdw blurRad="40000" dist="23000" dir="5400000" rotWithShape="0">
+              <a:srgbClr val="000000">
+                <a:alpha val="35000"/>
+              </a:srgbClr>
+            </a:outerShdw>
+          </a:effectLst>
+          <a:scene3d>
+            <a:camera prst="orthographicFront">
+              <a:rot lat="0" lon="0" rev="0"/>
+            </a:camera>
+            <a:lightRig rig="threePt" dir="t">
+              <a:rot lat="0" lon="0" rev="1200000"/>
+            </a:lightRig>
+          </a:scene3d>
+          <a:sp3d>
+            <a:bevelT w="63500" h="25400"/>
+          </a:sp3d>
+        </a:effectStyle>
+      </a:effectStyleLst>
+      <a:bgFillStyleLst>
+        <a:solidFill>
+          <a:schemeClr val="phClr"/>
+        </a:solidFill>
+        <a:gradFill rotWithShape="1">
+          <a:gsLst>
+            <a:gs pos="0">
+              <a:schemeClr val="phClr">
+                <a:tint val="40000"/>
+                <a:satMod val="350000"/>
+              </a:schemeClr>
+            </a:gs>
+            <a:gs pos="40000">
+              <a:schemeClr val="phClr">
+                <a:tint val="45000"/>
+                <a:shade val="99000"/>
+                <a:satMod val="350000"/>
+              </a:schemeClr>
+            </a:gs>
+            <a:gs pos="100000">
+              <a:schemeClr val="phClr">
+                <a:shade val="20000"/>
+                <a:satMod val="255000"/>
+              </a:schemeClr>
+            </a:gs>
+          </a:gsLst>
+          <a:path path="circle">
+            <a:fillToRect l="50000" t="-80000" r="50000" b="180000"/>
+          </a:path>
+        </a:gradFill>
+        <a:gradFill rotWithShape="1">
+          <a:gsLst>
+            <a:gs pos="0">
+              <a:schemeClr val="phClr">
+                <a:tint val="80000"/>
+                <a:satMod val="300000"/>
+              </a:schemeClr>
+            </a:gs>
+            <a:gs pos="100000">
+              <a:schemeClr val="phClr">
+                <a:shade val="30000"/>
+                <a:satMod val="200000"/>
+              </a:schemeClr>
+            </a:gs>
+          </a:gsLst>
+          <a:path path="circle">
+            <a:fillToRect l="50000" t="50000" r="50000" b="50000"/>
+          </a:path>
+        </a:gradFill>
+      </a:bgFillStyleLst>
+    </a:fmtScheme>
+  </a:themeElements>
+</a:theme>
+</file>
+
+<file path=ppt/theme/theme2.xml><?xml version="1.0" encoding="utf-8"?>
 <a:theme xmlns:a="http://schemas.openxmlformats.org/drawingml/2006/main" xmlns:r="http://schemas.openxmlformats.org/officeDocument/2006/relationships" name="Simple Light">
   <a:themeElements>
     <a:clrScheme name="Simple Light">
@@ -30891,283 +31169,4 @@
     </a:fmtScheme>
   </a:themeElements>
 </a:theme>
-</file>
-
-<file path=ppt/theme/theme2.xml><?xml version="1.0" encoding="utf-8"?>
-<a:theme xmlns:a="http://schemas.openxmlformats.org/drawingml/2006/main" xmlns:r="http://schemas.openxmlformats.org/officeDocument/2006/relationships">
-  <a:themeElements>
-    <a:clrScheme name="Default">
-      <a:dk1>
-        <a:srgbClr val="000000"/>
-      </a:dk1>
-      <a:lt1>
-        <a:srgbClr val="FFFFFF"/>
-      </a:lt1>
-      <a:dk2>
-        <a:srgbClr val="158158"/>
-      </a:dk2>
-      <a:lt2>
-        <a:srgbClr val="F3F3F3"/>
-      </a:lt2>
-      <a:accent1>
-        <a:srgbClr val="058DC7"/>
-      </a:accent1>
-      <a:accent2>
-        <a:srgbClr val="50B432"/>
-      </a:accent2>
-      <a:accent3>
-        <a:srgbClr val="ED561B"/>
-      </a:accent3>
-      <a:accent4>
-        <a:srgbClr val="EDEF00"/>
-      </a:accent4>
-      <a:accent5>
-        <a:srgbClr val="24CBE5"/>
-      </a:accent5>
-      <a:accent6>
-        <a:srgbClr val="64E572"/>
-      </a:accent6>
-      <a:hlink>
-        <a:srgbClr val="2200CC"/>
-      </a:hlink>
-      <a:folHlink>
-        <a:srgbClr val="551A8B"/>
-      </a:folHlink>
-    </a:clrScheme>
-    <a:fontScheme name="Office">
-      <a:majorFont>
-        <a:latin typeface="Arial"/>
-        <a:ea typeface=""/>
-        <a:cs typeface=""/>
-        <a:font script="Jpan" typeface="ＭＳ Ｐゴシック"/>
-        <a:font script="Hang" typeface="맑은 고딕"/>
-        <a:font script="Hans" typeface="宋体"/>
-        <a:font script="Hant" typeface="新細明體"/>
-        <a:font script="Arab" typeface="Times New Roman"/>
-        <a:font script="Hebr" typeface="Times New Roman"/>
-        <a:font script="Thai" typeface="Angsana New"/>
-        <a:font script="Ethi" typeface="Nyala"/>
-        <a:font script="Beng" typeface="Vrinda"/>
-        <a:font script="Gujr" typeface="Shruti"/>
-        <a:font script="Khmr" typeface="MoolBoran"/>
-        <a:font script="Knda" typeface="Tunga"/>
-        <a:font script="Guru" typeface="Raavi"/>
-        <a:font script="Cans" typeface="Euphemia"/>
-        <a:font script="Cher" typeface="Plantagenet Cherokee"/>
-        <a:font script="Yiii" typeface="Microsoft Yi Baiti"/>
-        <a:font script="Tibt" typeface="Microsoft Himalaya"/>
-        <a:font script="Thaa" typeface="MV Boli"/>
-        <a:font script="Deva" typeface="Mangal"/>
-        <a:font script="Telu" typeface="Gautami"/>
-        <a:font script="Taml" typeface="Latha"/>
-        <a:font script="Syrc" typeface="Estrangelo Edessa"/>
-        <a:font script="Orya" typeface="Kalinga"/>
-        <a:font script="Mlym" typeface="Kartika"/>
-        <a:font script="Laoo" typeface="DokChampa"/>
-        <a:font script="Sinh" typeface="Iskoola Pota"/>
-        <a:font script="Mong" typeface="Mongolian Baiti"/>
-        <a:font script="Viet" typeface="Times New Roman"/>
-        <a:font script="Uigh" typeface="Microsoft Uighur"/>
-        <a:font script="Geor" typeface="Sylfaen"/>
-      </a:majorFont>
-      <a:minorFont>
-        <a:latin typeface="Arial"/>
-        <a:ea typeface=""/>
-        <a:cs typeface=""/>
-        <a:font script="Jpan" typeface="ＭＳ Ｐゴシック"/>
-        <a:font script="Hang" typeface="맑은 고딕"/>
-        <a:font script="Hans" typeface="宋体"/>
-        <a:font script="Hant" typeface="新細明體"/>
-        <a:font script="Arab" typeface="Arial"/>
-        <a:font script="Hebr" typeface="Arial"/>
-        <a:font script="Thai" typeface="Cordia New"/>
-        <a:font script="Ethi" typeface="Nyala"/>
-        <a:font script="Beng" typeface="Vrinda"/>
-        <a:font script="Gujr" typeface="Shruti"/>
-        <a:font script="Khmr" typeface="DaunPenh"/>
-        <a:font script="Knda" typeface="Tunga"/>
-        <a:font script="Guru" typeface="Raavi"/>
-        <a:font script="Cans" typeface="Euphemia"/>
-        <a:font script="Cher" typeface="Plantagenet Cherokee"/>
-        <a:font script="Yiii" typeface="Microsoft Yi Baiti"/>
-        <a:font script="Tibt" typeface="Microsoft Himalaya"/>
-        <a:font script="Thaa" typeface="MV Boli"/>
-        <a:font script="Deva" typeface="Mangal"/>
-        <a:font script="Telu" typeface="Gautami"/>
-        <a:font script="Taml" typeface="Latha"/>
-        <a:font script="Syrc" typeface="Estrangelo Edessa"/>
-        <a:font script="Orya" typeface="Kalinga"/>
-        <a:font script="Mlym" typeface="Kartika"/>
-        <a:font script="Laoo" typeface="DokChampa"/>
-        <a:font script="Sinh" typeface="Iskoola Pota"/>
-        <a:font script="Mong" typeface="Mongolian Baiti"/>
-        <a:font script="Viet" typeface="Arial"/>
-        <a:font script="Uigh" typeface="Microsoft Uighur"/>
-        <a:font script="Geor" typeface="Sylfaen"/>
-      </a:minorFont>
-    </a:fontScheme>
-    <a:fmtScheme name="Office">
-      <a:fillStyleLst>
-        <a:solidFill>
-          <a:schemeClr val="phClr"/>
-        </a:solidFill>
-        <a:gradFill rotWithShape="1">
-          <a:gsLst>
-            <a:gs pos="0">
-              <a:schemeClr val="phClr">
-                <a:tint val="50000"/>
-                <a:satMod val="300000"/>
-              </a:schemeClr>
-            </a:gs>
-            <a:gs pos="35000">
-              <a:schemeClr val="phClr">
-                <a:tint val="37000"/>
-                <a:satMod val="300000"/>
-              </a:schemeClr>
-            </a:gs>
-            <a:gs pos="100000">
-              <a:schemeClr val="phClr">
-                <a:tint val="15000"/>
-                <a:satMod val="350000"/>
-              </a:schemeClr>
-            </a:gs>
-          </a:gsLst>
-          <a:lin ang="16200000" scaled="1"/>
-        </a:gradFill>
-        <a:gradFill rotWithShape="1">
-          <a:gsLst>
-            <a:gs pos="0">
-              <a:schemeClr val="phClr">
-                <a:tint val="100000"/>
-                <a:shade val="100000"/>
-                <a:satMod val="130000"/>
-              </a:schemeClr>
-            </a:gs>
-            <a:gs pos="100000">
-              <a:schemeClr val="phClr">
-                <a:tint val="50000"/>
-                <a:shade val="100000"/>
-                <a:satMod val="350000"/>
-              </a:schemeClr>
-            </a:gs>
-          </a:gsLst>
-          <a:lin ang="16200000" scaled="0"/>
-        </a:gradFill>
-      </a:fillStyleLst>
-      <a:lnStyleLst>
-        <a:ln w="9525" cap="flat" cmpd="sng" algn="ctr">
-          <a:solidFill>
-            <a:schemeClr val="phClr">
-              <a:shade val="95000"/>
-              <a:satMod val="105000"/>
-            </a:schemeClr>
-          </a:solidFill>
-          <a:prstDash val="solid"/>
-        </a:ln>
-        <a:ln w="25400" cap="flat" cmpd="sng" algn="ctr">
-          <a:solidFill>
-            <a:schemeClr val="phClr"/>
-          </a:solidFill>
-          <a:prstDash val="solid"/>
-        </a:ln>
-        <a:ln w="38100" cap="flat" cmpd="sng" algn="ctr">
-          <a:solidFill>
-            <a:schemeClr val="phClr"/>
-          </a:solidFill>
-          <a:prstDash val="solid"/>
-        </a:ln>
-      </a:lnStyleLst>
-      <a:effectStyleLst>
-        <a:effectStyle>
-          <a:effectLst>
-            <a:outerShdw blurRad="40000" dist="20000" dir="5400000" rotWithShape="0">
-              <a:srgbClr val="000000">
-                <a:alpha val="38000"/>
-              </a:srgbClr>
-            </a:outerShdw>
-          </a:effectLst>
-        </a:effectStyle>
-        <a:effectStyle>
-          <a:effectLst>
-            <a:outerShdw blurRad="40000" dist="23000" dir="5400000" rotWithShape="0">
-              <a:srgbClr val="000000">
-                <a:alpha val="35000"/>
-              </a:srgbClr>
-            </a:outerShdw>
-          </a:effectLst>
-        </a:effectStyle>
-        <a:effectStyle>
-          <a:effectLst>
-            <a:outerShdw blurRad="40000" dist="23000" dir="5400000" rotWithShape="0">
-              <a:srgbClr val="000000">
-                <a:alpha val="35000"/>
-              </a:srgbClr>
-            </a:outerShdw>
-          </a:effectLst>
-          <a:scene3d>
-            <a:camera prst="orthographicFront">
-              <a:rot lat="0" lon="0" rev="0"/>
-            </a:camera>
-            <a:lightRig rig="threePt" dir="t">
-              <a:rot lat="0" lon="0" rev="1200000"/>
-            </a:lightRig>
-          </a:scene3d>
-          <a:sp3d>
-            <a:bevelT w="63500" h="25400"/>
-          </a:sp3d>
-        </a:effectStyle>
-      </a:effectStyleLst>
-      <a:bgFillStyleLst>
-        <a:solidFill>
-          <a:schemeClr val="phClr"/>
-        </a:solidFill>
-        <a:gradFill rotWithShape="1">
-          <a:gsLst>
-            <a:gs pos="0">
-              <a:schemeClr val="phClr">
-                <a:tint val="40000"/>
-                <a:satMod val="350000"/>
-              </a:schemeClr>
-            </a:gs>
-            <a:gs pos="40000">
-              <a:schemeClr val="phClr">
-                <a:tint val="45000"/>
-                <a:shade val="99000"/>
-                <a:satMod val="350000"/>
-              </a:schemeClr>
-            </a:gs>
-            <a:gs pos="100000">
-              <a:schemeClr val="phClr">
-                <a:shade val="20000"/>
-                <a:satMod val="255000"/>
-              </a:schemeClr>
-            </a:gs>
-          </a:gsLst>
-          <a:path path="circle">
-            <a:fillToRect l="50000" t="-80000" r="50000" b="180000"/>
-          </a:path>
-        </a:gradFill>
-        <a:gradFill rotWithShape="1">
-          <a:gsLst>
-            <a:gs pos="0">
-              <a:schemeClr val="phClr">
-                <a:tint val="80000"/>
-                <a:satMod val="300000"/>
-              </a:schemeClr>
-            </a:gs>
-            <a:gs pos="100000">
-              <a:schemeClr val="phClr">
-                <a:shade val="30000"/>
-                <a:satMod val="200000"/>
-              </a:schemeClr>
-            </a:gs>
-          </a:gsLst>
-          <a:path path="circle">
-            <a:fillToRect l="50000" t="50000" r="50000" b="50000"/>
-          </a:path>
-        </a:gradFill>
-      </a:bgFillStyleLst>
-    </a:fmtScheme>
-  </a:themeElements>
-</a:theme>
 </file>